--- a/LIR_Symposium_Islami_Beyer_2024SEP21_mab.pptx
+++ b/LIR_Symposium_Islami_Beyer_2024SEP21_mab.pptx
@@ -208,7 +208,7 @@
           <a:p>
             <a:fld id="{CAA0F8AB-4537-4ED8-AE99-4CEEA2D9DCDB}" type="datetimeFigureOut">
               <a:rPr lang="en-US" smtClean="0"/>
-              <a:t>9/21/2024</a:t>
+              <a:t>9/22/2024</a:t>
             </a:fld>
             <a:endParaRPr lang="en-US"/>
           </a:p>
@@ -755,7 +755,7 @@
           <a:p>
             <a:fld id="{74EA10E6-99B3-48BB-BA73-A41CE05CC475}" type="datetimeFigureOut">
               <a:rPr lang="en-US" smtClean="0"/>
-              <a:t>9/21/2024</a:t>
+              <a:t>9/22/2024</a:t>
             </a:fld>
             <a:endParaRPr lang="en-US"/>
           </a:p>
@@ -925,7 +925,7 @@
           <a:p>
             <a:fld id="{74EA10E6-99B3-48BB-BA73-A41CE05CC475}" type="datetimeFigureOut">
               <a:rPr lang="en-US" smtClean="0"/>
-              <a:t>9/21/2024</a:t>
+              <a:t>9/22/2024</a:t>
             </a:fld>
             <a:endParaRPr lang="en-US"/>
           </a:p>
@@ -1105,7 +1105,7 @@
           <a:p>
             <a:fld id="{74EA10E6-99B3-48BB-BA73-A41CE05CC475}" type="datetimeFigureOut">
               <a:rPr lang="en-US" smtClean="0"/>
-              <a:t>9/21/2024</a:t>
+              <a:t>9/22/2024</a:t>
             </a:fld>
             <a:endParaRPr lang="en-US"/>
           </a:p>
@@ -1275,7 +1275,7 @@
           <a:p>
             <a:fld id="{74EA10E6-99B3-48BB-BA73-A41CE05CC475}" type="datetimeFigureOut">
               <a:rPr lang="en-US" smtClean="0"/>
-              <a:t>9/21/2024</a:t>
+              <a:t>9/22/2024</a:t>
             </a:fld>
             <a:endParaRPr lang="en-US"/>
           </a:p>
@@ -1519,7 +1519,7 @@
           <a:p>
             <a:fld id="{74EA10E6-99B3-48BB-BA73-A41CE05CC475}" type="datetimeFigureOut">
               <a:rPr lang="en-US" smtClean="0"/>
-              <a:t>9/21/2024</a:t>
+              <a:t>9/22/2024</a:t>
             </a:fld>
             <a:endParaRPr lang="en-US"/>
           </a:p>
@@ -1751,7 +1751,7 @@
           <a:p>
             <a:fld id="{74EA10E6-99B3-48BB-BA73-A41CE05CC475}" type="datetimeFigureOut">
               <a:rPr lang="en-US" smtClean="0"/>
-              <a:t>9/21/2024</a:t>
+              <a:t>9/22/2024</a:t>
             </a:fld>
             <a:endParaRPr lang="en-US"/>
           </a:p>
@@ -2118,7 +2118,7 @@
           <a:p>
             <a:fld id="{74EA10E6-99B3-48BB-BA73-A41CE05CC475}" type="datetimeFigureOut">
               <a:rPr lang="en-US" smtClean="0"/>
-              <a:t>9/21/2024</a:t>
+              <a:t>9/22/2024</a:t>
             </a:fld>
             <a:endParaRPr lang="en-US"/>
           </a:p>
@@ -2236,7 +2236,7 @@
           <a:p>
             <a:fld id="{74EA10E6-99B3-48BB-BA73-A41CE05CC475}" type="datetimeFigureOut">
               <a:rPr lang="en-US" smtClean="0"/>
-              <a:t>9/21/2024</a:t>
+              <a:t>9/22/2024</a:t>
             </a:fld>
             <a:endParaRPr lang="en-US"/>
           </a:p>
@@ -2331,7 +2331,7 @@
           <a:p>
             <a:fld id="{74EA10E6-99B3-48BB-BA73-A41CE05CC475}" type="datetimeFigureOut">
               <a:rPr lang="en-US" smtClean="0"/>
-              <a:t>9/21/2024</a:t>
+              <a:t>9/22/2024</a:t>
             </a:fld>
             <a:endParaRPr lang="en-US"/>
           </a:p>
@@ -2608,7 +2608,7 @@
           <a:p>
             <a:fld id="{74EA10E6-99B3-48BB-BA73-A41CE05CC475}" type="datetimeFigureOut">
               <a:rPr lang="en-US" smtClean="0"/>
-              <a:t>9/21/2024</a:t>
+              <a:t>9/22/2024</a:t>
             </a:fld>
             <a:endParaRPr lang="en-US"/>
           </a:p>
@@ -2865,7 +2865,7 @@
           <a:p>
             <a:fld id="{74EA10E6-99B3-48BB-BA73-A41CE05CC475}" type="datetimeFigureOut">
               <a:rPr lang="en-US" smtClean="0"/>
-              <a:t>9/21/2024</a:t>
+              <a:t>9/22/2024</a:t>
             </a:fld>
             <a:endParaRPr lang="en-US"/>
           </a:p>
@@ -3078,7 +3078,7 @@
           <a:p>
             <a:fld id="{74EA10E6-99B3-48BB-BA73-A41CE05CC475}" type="datetimeFigureOut">
               <a:rPr lang="en-US" smtClean="0"/>
-              <a:t>9/21/2024</a:t>
+              <a:t>9/22/2024</a:t>
             </a:fld>
             <a:endParaRPr lang="en-US"/>
           </a:p>
@@ -3808,7 +3808,7 @@
         <p:spPr>
           <a:xfrm>
             <a:off x="975676" y="6583680"/>
-            <a:ext cx="28315603" cy="6278642"/>
+            <a:ext cx="28315603" cy="6001643"/>
           </a:xfrm>
           <a:prstGeom prst="rect">
             <a:avLst/>
@@ -3856,7 +3856,7 @@
           </a:p>
           <a:p>
             <a:pPr algn="just"/>
-            <a:endParaRPr lang="en-US" sz="3200" dirty="0">
+            <a:endParaRPr lang="en-US" dirty="0">
               <a:latin typeface="+mj-lt"/>
             </a:endParaRPr>
           </a:p>
@@ -3871,7 +3871,7 @@
           </a:p>
           <a:p>
             <a:pPr algn="just"/>
-            <a:endParaRPr lang="en-US" sz="3200" dirty="0">
+            <a:endParaRPr lang="en-US" dirty="0">
               <a:latin typeface="+mj-lt"/>
             </a:endParaRPr>
           </a:p>
@@ -4770,7 +4770,7 @@
         <p:spPr>
           <a:xfrm>
             <a:off x="15552446" y="20453257"/>
-            <a:ext cx="13738832" cy="14813542"/>
+            <a:ext cx="13738832" cy="17056016"/>
           </a:xfrm>
           <a:prstGeom prst="rect">
             <a:avLst/>
@@ -4802,6 +4802,46 @@
             </a:r>
           </a:p>
           <a:p>
+            <a:endParaRPr lang="en-GB" sz="2400" dirty="0">
+              <a:latin typeface="+mj-lt"/>
+            </a:endParaRPr>
+          </a:p>
+          <a:p>
+            <a:r>
+              <a:rPr lang="en-GB" sz="2400" dirty="0">
+                <a:latin typeface="+mj-lt"/>
+              </a:rPr>
+              <a:t>The connections between nodes can be formed based on structural connectivity, meaning the physical, anatomical connections between nodes (e.g. neurons), while functional connectivity represents the statistical dependencies or correlations in activity between nodes, regardless of whether there is a direct physical connection. As this analysis strives to understand the functional relationship, the connections in the shown networks rely on functional connectivity to quantify dependencies independent of anatomy. </a:t>
+            </a:r>
+            <a:endParaRPr lang="de-DE" sz="2400" dirty="0">
+              <a:latin typeface="+mj-lt"/>
+            </a:endParaRPr>
+          </a:p>
+          <a:p>
+            <a:endParaRPr lang="en-US" sz="3600" b="1" dirty="0">
+              <a:solidFill>
+                <a:srgbClr val="4472C4"/>
+              </a:solidFill>
+              <a:latin typeface="+mj-lt"/>
+            </a:endParaRPr>
+          </a:p>
+          <a:p>
+            <a:endParaRPr lang="en-US" sz="3600" b="1" dirty="0">
+              <a:solidFill>
+                <a:srgbClr val="4472C4"/>
+              </a:solidFill>
+              <a:latin typeface="+mj-lt"/>
+            </a:endParaRPr>
+          </a:p>
+          <a:p>
+            <a:endParaRPr lang="en-US" sz="3600" b="1" dirty="0">
+              <a:solidFill>
+                <a:srgbClr val="00B050"/>
+              </a:solidFill>
+              <a:latin typeface="+mj-lt"/>
+            </a:endParaRPr>
+          </a:p>
+          <a:p>
             <a:endParaRPr lang="en-US" sz="3600" b="1" dirty="0">
               <a:solidFill>
                 <a:srgbClr val="4472C4"/>
@@ -4818,12 +4858,9 @@
                 <a:spcPts val="800"/>
               </a:spcAft>
             </a:pPr>
-            <a:r>
-              <a:rPr lang="en-US" sz="2400" dirty="0">
-                <a:latin typeface="+mj-lt"/>
-              </a:rPr>
-              <a:t>Network theory underlies the construction of networks to understand complex systems. It is widely used to model and analyze the interplay of various components within a system. The main tool to model networks is the theoretical construct of a graph, built from nodes and edges. </a:t>
-            </a:r>
+            <a:endParaRPr lang="en-US" sz="2400" dirty="0">
+              <a:latin typeface="+mj-lt"/>
+            </a:endParaRPr>
           </a:p>
           <a:p>
             <a:pPr algn="just">
@@ -4834,12 +4871,9 @@
                 <a:spcPts val="800"/>
               </a:spcAft>
             </a:pPr>
-            <a:r>
-              <a:rPr lang="en-US" sz="2400" dirty="0">
-                <a:latin typeface="+mj-lt"/>
-              </a:rPr>
-              <a:t>Nodes represent the basic elements of a network and serve as connection points. The edges in turn represent the connections between the individual nodes. The interpretation as a graph enables the application of a mathematical interpretation in the form of so-called metrics. Prominent metrics are Density and Transitivity. The density is the ratio between the edges present in the network and the total number of possible edges. It gives information about how interconnected the whole network is. </a:t>
-            </a:r>
+            <a:endParaRPr lang="en-US" sz="2400" dirty="0">
+              <a:latin typeface="+mj-lt"/>
+            </a:endParaRPr>
           </a:p>
           <a:p>
             <a:pPr algn="just">
@@ -4850,12 +4884,9 @@
                 <a:spcPts val="800"/>
               </a:spcAft>
             </a:pPr>
-            <a:r>
-              <a:rPr lang="en-US" sz="2400" dirty="0">
-                <a:latin typeface="+mj-lt"/>
-              </a:rPr>
-              <a:t>Transitivity is another metric that quantifies the probability that two neighbors of a particular node are also directly connected, meaning that three nodes in the graph form a ‘triangle’. It measures the tendency of a network to form closely connected communities or groups.</a:t>
-            </a:r>
+            <a:endParaRPr lang="en-US" sz="2400" dirty="0">
+              <a:latin typeface="+mj-lt"/>
+            </a:endParaRPr>
           </a:p>
           <a:p>
             <a:pPr algn="just">
@@ -4866,7 +4897,7 @@
                 <a:spcPts val="800"/>
               </a:spcAft>
             </a:pPr>
-            <a:endParaRPr lang="en-US" sz="2800" dirty="0">
+            <a:endParaRPr lang="en-US" sz="2400" dirty="0">
               <a:latin typeface="+mj-lt"/>
             </a:endParaRPr>
           </a:p>
@@ -4879,9 +4910,15 @@
                 <a:spcPts val="800"/>
               </a:spcAft>
             </a:pPr>
-            <a:endParaRPr lang="en-US" sz="2800" dirty="0">
-              <a:latin typeface="+mj-lt"/>
-            </a:endParaRPr>
+            <a:r>
+              <a:rPr lang="en-US" sz="2400" dirty="0">
+                <a:solidFill>
+                  <a:srgbClr val="FF0000"/>
+                </a:solidFill>
+                <a:latin typeface="+mj-lt"/>
+              </a:rPr>
+              <a:t>Network theory underlies the construction of networks to understand complex systems. It is widely used to model and analyze the interplay of various components within a system. The main tool to model networks is the theoretical construct of a graph, built from nodes and edges. </a:t>
+            </a:r>
           </a:p>
           <a:p>
             <a:pPr algn="just">
@@ -4892,9 +4929,21 @@
                 <a:spcPts val="800"/>
               </a:spcAft>
             </a:pPr>
-            <a:endParaRPr lang="en-US" sz="2800" dirty="0">
-              <a:latin typeface="+mj-lt"/>
-            </a:endParaRPr>
+            <a:r>
+              <a:rPr lang="en-US" sz="2400" dirty="0">
+                <a:solidFill>
+                  <a:srgbClr val="FF0000"/>
+                </a:solidFill>
+                <a:latin typeface="+mj-lt"/>
+              </a:rPr>
+              <a:t>Nodes represent the basic elements of a network and serve as connection points. The edges in turn represent the connections between the individual nodes. </a:t>
+            </a:r>
+            <a:r>
+              <a:rPr lang="en-US" sz="2400" dirty="0">
+                <a:latin typeface="+mj-lt"/>
+              </a:rPr>
+              <a:t>The interpretation as a graph enables the application of a mathematical interpretation in the form of so-called metrics. Prominent metrics are Density and Transitivity. The density is the ratio between the edges present in the network and the total number of possible edges. It gives information about how interconnected the whole network is. </a:t>
+            </a:r>
           </a:p>
           <a:p>
             <a:pPr algn="just">
@@ -4905,27 +4954,12 @@
                 <a:spcPts val="800"/>
               </a:spcAft>
             </a:pPr>
-            <a:endParaRPr lang="en-US" sz="1600" dirty="0"/>
-          </a:p>
-          <a:p>
-            <a:endParaRPr lang="en-US" dirty="0"/>
-          </a:p>
-          <a:p>
-            <a:endParaRPr lang="en-US" dirty="0"/>
-          </a:p>
-          <a:p>
-            <a:endParaRPr lang="en-US" dirty="0"/>
-          </a:p>
-          <a:p>
-            <a:endParaRPr lang="en-US" dirty="0"/>
-          </a:p>
-          <a:p>
-            <a:endParaRPr lang="en-US" dirty="0"/>
-          </a:p>
-          <a:p>
-            <a:endParaRPr lang="en-US" dirty="0"/>
-          </a:p>
-          <a:p>
+            <a:r>
+              <a:rPr lang="en-US" sz="2400" dirty="0">
+                <a:latin typeface="+mj-lt"/>
+              </a:rPr>
+              <a:t>Transitivity is another metric that quantifies the probability that two neighbors of a particular node are also directly connected, meaning that three nodes in the graph form a ‘triangle’. It measures the tendency of a network to form closely connected communities or groups.</a:t>
+            </a:r>
             <a:endParaRPr lang="en-US" dirty="0"/>
           </a:p>
           <a:p>
@@ -5019,7 +5053,7 @@
         </p:nvGrpSpPr>
         <p:grpSpPr>
           <a:xfrm>
-            <a:off x="975675" y="20453257"/>
+            <a:off x="941328" y="20453257"/>
             <a:ext cx="14157961" cy="16342935"/>
             <a:chOff x="975675" y="20511539"/>
             <a:chExt cx="14157961" cy="16342935"/>
@@ -5068,8 +5102,14 @@
                   </a:solidFill>
                   <a:latin typeface="+mj-lt"/>
                 </a:rPr>
-                <a:t>CALCIUM IMAGING WORKFLOW</a:t>
+                <a:t>CALCIUM IMAGING: Neural Extinction Patterns in R+ vs. R- Animals</a:t>
               </a:r>
+              <a:endParaRPr lang="en-US" sz="3600" b="1" dirty="0">
+                <a:solidFill>
+                  <a:srgbClr val="FF0000"/>
+                </a:solidFill>
+                <a:latin typeface="+mj-lt"/>
+              </a:endParaRPr>
             </a:p>
             <a:p>
               <a:pPr algn="just"/>
@@ -5255,7 +5295,7 @@
           </p:nvSpPr>
           <p:spPr>
             <a:xfrm>
-              <a:off x="1192294" y="21773426"/>
+              <a:off x="1195371" y="21642886"/>
               <a:ext cx="13604039" cy="14865608"/>
             </a:xfrm>
             <a:prstGeom prst="rect">
@@ -5269,7 +5309,7 @@
             </a:bodyPr>
             <a:lstStyle/>
             <a:p>
-              <a:pPr marL="0" marR="0" lvl="0" indent="0" algn="l" defTabSz="457200" rtl="0" eaLnBrk="1" fontAlgn="auto" latinLnBrk="0" hangingPunct="1">
+              <a:pPr marL="0" marR="0" lvl="0" indent="0" algn="just" defTabSz="457200" rtl="0" eaLnBrk="1" fontAlgn="auto" latinLnBrk="0" hangingPunct="1">
                 <a:lnSpc>
                   <a:spcPct val="100000"/>
                 </a:lnSpc>
@@ -5291,86 +5331,14 @@
                 <a:defRPr/>
               </a:pPr>
               <a:r>
-                <a:rPr lang="en-US" sz="3200" b="1" dirty="0">
-                  <a:solidFill>
-                    <a:schemeClr val="accent1"/>
-                  </a:solidFill>
-                  <a:latin typeface="+mj-lt"/>
-                </a:rPr>
-                <a:t>1. </a:t>
-              </a:r>
-              <a:r>
                 <a:rPr lang="en-US" sz="3200" dirty="0">
                   <a:latin typeface="+mj-lt"/>
                 </a:rPr>
-                <a:t>Motion correction via FFT registration for each recording session</a:t>
+                <a:t>In calcium imaging, luminescence heatmaps are used to visualize quantitative neural activity by displaying fluorescence intensities that correspond to changes in intracellular calcium levels, serving as indicators of neuronal activation.</a:t>
               </a:r>
             </a:p>
             <a:p>
-              <a:pPr marL="0" marR="0" lvl="0" indent="0" algn="l" defTabSz="457200" rtl="0" eaLnBrk="1" fontAlgn="auto" latinLnBrk="0" hangingPunct="1">
-                <a:lnSpc>
-                  <a:spcPct val="100000"/>
-                </a:lnSpc>
-                <a:spcBef>
-                  <a:spcPts val="0"/>
-                </a:spcBef>
-                <a:spcAft>
-                  <a:spcPts val="0"/>
-                </a:spcAft>
-                <a:buClr>
-                  <a:srgbClr val="A5A5A5">
-                    <a:lumMod val="75000"/>
-                  </a:srgbClr>
-                </a:buClr>
-                <a:buSzTx/>
-                <a:buFontTx/>
-                <a:buNone/>
-                <a:tabLst/>
-                <a:defRPr/>
-              </a:pPr>
-              <a:r>
-                <a:rPr lang="en-US" sz="3200" b="1" dirty="0">
-                  <a:solidFill>
-                    <a:schemeClr val="accent1"/>
-                  </a:solidFill>
-                  <a:latin typeface="+mj-lt"/>
-                </a:rPr>
-                <a:t>2. </a:t>
-              </a:r>
-              <a:r>
-                <a:rPr lang="en-US" sz="3200" dirty="0">
-                  <a:latin typeface="+mj-lt"/>
-                </a:rPr>
-                <a:t>Spatial and temporal extraction of neurons based on CNMFE</a:t>
-              </a:r>
-            </a:p>
-            <a:p>
-              <a:pPr>
-                <a:buClr>
-                  <a:srgbClr val="A5A5A5">
-                    <a:lumMod val="75000"/>
-                  </a:srgbClr>
-                </a:buClr>
-                <a:defRPr/>
-              </a:pPr>
-              <a:r>
-                <a:rPr lang="en-US" sz="3200" b="1" dirty="0">
-                  <a:solidFill>
-                    <a:schemeClr val="accent1"/>
-                  </a:solidFill>
-                  <a:latin typeface="+mj-lt"/>
-                </a:rPr>
-                <a:t>3. </a:t>
-              </a:r>
-              <a:r>
-                <a:rPr lang="en-US" sz="3200" dirty="0">
-                  <a:latin typeface="+mj-lt"/>
-                </a:rPr>
-                <a:t>Manual post processing</a:t>
-              </a:r>
-            </a:p>
-            <a:p>
-              <a:pPr>
+              <a:pPr algn="just">
                 <a:buClr>
                   <a:srgbClr val="A5A5A5">
                     <a:lumMod val="75000"/>
@@ -5383,25 +5351,12 @@
               </a:endParaRPr>
             </a:p>
             <a:p>
-              <a:pPr marL="0" marR="0" lvl="0" indent="0" algn="l" defTabSz="457200" rtl="0" eaLnBrk="1" fontAlgn="auto" latinLnBrk="0" hangingPunct="1">
-                <a:lnSpc>
-                  <a:spcPct val="100000"/>
-                </a:lnSpc>
-                <a:spcBef>
-                  <a:spcPts val="0"/>
-                </a:spcBef>
-                <a:spcAft>
-                  <a:spcPts val="0"/>
-                </a:spcAft>
+              <a:pPr algn="just">
                 <a:buClr>
                   <a:srgbClr val="A5A5A5">
                     <a:lumMod val="75000"/>
                   </a:srgbClr>
                 </a:buClr>
-                <a:buSzTx/>
-                <a:buFontTx/>
-                <a:buNone/>
-                <a:tabLst/>
                 <a:defRPr/>
               </a:pPr>
               <a:endParaRPr lang="en-US" sz="3200" dirty="0">
@@ -5409,25 +5364,12 @@
               </a:endParaRPr>
             </a:p>
             <a:p>
-              <a:pPr marL="0" marR="0" lvl="0" indent="0" algn="l" defTabSz="457200" rtl="0" eaLnBrk="1" fontAlgn="auto" latinLnBrk="0" hangingPunct="1">
-                <a:lnSpc>
-                  <a:spcPct val="100000"/>
-                </a:lnSpc>
-                <a:spcBef>
-                  <a:spcPts val="0"/>
-                </a:spcBef>
-                <a:spcAft>
-                  <a:spcPts val="0"/>
-                </a:spcAft>
+              <a:pPr algn="just">
                 <a:buClr>
                   <a:srgbClr val="A5A5A5">
                     <a:lumMod val="75000"/>
                   </a:srgbClr>
                 </a:buClr>
-                <a:buSzTx/>
-                <a:buFontTx/>
-                <a:buNone/>
-                <a:tabLst/>
                 <a:defRPr/>
               </a:pPr>
               <a:endParaRPr lang="en-US" sz="3200" dirty="0">
@@ -5435,25 +5377,12 @@
               </a:endParaRPr>
             </a:p>
             <a:p>
-              <a:pPr marL="0" marR="0" lvl="0" indent="0" algn="l" defTabSz="457200" rtl="0" eaLnBrk="1" fontAlgn="auto" latinLnBrk="0" hangingPunct="1">
-                <a:lnSpc>
-                  <a:spcPct val="100000"/>
-                </a:lnSpc>
-                <a:spcBef>
-                  <a:spcPts val="0"/>
-                </a:spcBef>
-                <a:spcAft>
-                  <a:spcPts val="0"/>
-                </a:spcAft>
+              <a:pPr algn="just">
                 <a:buClr>
                   <a:srgbClr val="A5A5A5">
                     <a:lumMod val="75000"/>
                   </a:srgbClr>
                 </a:buClr>
-                <a:buSzTx/>
-                <a:buFontTx/>
-                <a:buNone/>
-                <a:tabLst/>
                 <a:defRPr/>
               </a:pPr>
               <a:endParaRPr lang="en-US" sz="3200" dirty="0">
@@ -5461,25 +5390,12 @@
               </a:endParaRPr>
             </a:p>
             <a:p>
-              <a:pPr marL="0" marR="0" lvl="0" indent="0" algn="l" defTabSz="457200" rtl="0" eaLnBrk="1" fontAlgn="auto" latinLnBrk="0" hangingPunct="1">
-                <a:lnSpc>
-                  <a:spcPct val="100000"/>
-                </a:lnSpc>
-                <a:spcBef>
-                  <a:spcPts val="0"/>
-                </a:spcBef>
-                <a:spcAft>
-                  <a:spcPts val="0"/>
-                </a:spcAft>
+              <a:pPr algn="just">
                 <a:buClr>
                   <a:srgbClr val="A5A5A5">
                     <a:lumMod val="75000"/>
                   </a:srgbClr>
                 </a:buClr>
-                <a:buSzTx/>
-                <a:buFontTx/>
-                <a:buNone/>
-                <a:tabLst/>
                 <a:defRPr/>
               </a:pPr>
               <a:endParaRPr lang="en-US" sz="3200" dirty="0">
@@ -5487,25 +5403,12 @@
               </a:endParaRPr>
             </a:p>
             <a:p>
-              <a:pPr marL="0" marR="0" lvl="0" indent="0" algn="l" defTabSz="457200" rtl="0" eaLnBrk="1" fontAlgn="auto" latinLnBrk="0" hangingPunct="1">
-                <a:lnSpc>
-                  <a:spcPct val="100000"/>
-                </a:lnSpc>
-                <a:spcBef>
-                  <a:spcPts val="0"/>
-                </a:spcBef>
-                <a:spcAft>
-                  <a:spcPts val="0"/>
-                </a:spcAft>
+              <a:pPr algn="just">
                 <a:buClr>
                   <a:srgbClr val="A5A5A5">
                     <a:lumMod val="75000"/>
                   </a:srgbClr>
                 </a:buClr>
-                <a:buSzTx/>
-                <a:buFontTx/>
-                <a:buNone/>
-                <a:tabLst/>
                 <a:defRPr/>
               </a:pPr>
               <a:endParaRPr lang="en-US" sz="3200" dirty="0">
@@ -5513,25 +5416,12 @@
               </a:endParaRPr>
             </a:p>
             <a:p>
-              <a:pPr marL="0" marR="0" lvl="0" indent="0" algn="l" defTabSz="457200" rtl="0" eaLnBrk="1" fontAlgn="auto" latinLnBrk="0" hangingPunct="1">
-                <a:lnSpc>
-                  <a:spcPct val="100000"/>
-                </a:lnSpc>
-                <a:spcBef>
-                  <a:spcPts val="0"/>
-                </a:spcBef>
-                <a:spcAft>
-                  <a:spcPts val="0"/>
-                </a:spcAft>
+              <a:pPr algn="just">
                 <a:buClr>
                   <a:srgbClr val="A5A5A5">
                     <a:lumMod val="75000"/>
                   </a:srgbClr>
                 </a:buClr>
-                <a:buSzTx/>
-                <a:buFontTx/>
-                <a:buNone/>
-                <a:tabLst/>
                 <a:defRPr/>
               </a:pPr>
               <a:endParaRPr lang="en-US" sz="3200" dirty="0">
@@ -5539,25 +5429,12 @@
               </a:endParaRPr>
             </a:p>
             <a:p>
-              <a:pPr marL="0" marR="0" lvl="0" indent="0" algn="l" defTabSz="457200" rtl="0" eaLnBrk="1" fontAlgn="auto" latinLnBrk="0" hangingPunct="1">
-                <a:lnSpc>
-                  <a:spcPct val="100000"/>
-                </a:lnSpc>
-                <a:spcBef>
-                  <a:spcPts val="0"/>
-                </a:spcBef>
-                <a:spcAft>
-                  <a:spcPts val="0"/>
-                </a:spcAft>
+              <a:pPr algn="just">
                 <a:buClr>
                   <a:srgbClr val="A5A5A5">
                     <a:lumMod val="75000"/>
                   </a:srgbClr>
                 </a:buClr>
-                <a:buSzTx/>
-                <a:buFontTx/>
-                <a:buNone/>
-                <a:tabLst/>
                 <a:defRPr/>
               </a:pPr>
               <a:endParaRPr lang="en-US" sz="3200" dirty="0">
@@ -5565,25 +5442,12 @@
               </a:endParaRPr>
             </a:p>
             <a:p>
-              <a:pPr marL="0" marR="0" lvl="0" indent="0" algn="l" defTabSz="457200" rtl="0" eaLnBrk="1" fontAlgn="auto" latinLnBrk="0" hangingPunct="1">
-                <a:lnSpc>
-                  <a:spcPct val="100000"/>
-                </a:lnSpc>
-                <a:spcBef>
-                  <a:spcPts val="0"/>
-                </a:spcBef>
-                <a:spcAft>
-                  <a:spcPts val="0"/>
-                </a:spcAft>
+              <a:pPr algn="just">
                 <a:buClr>
                   <a:srgbClr val="A5A5A5">
                     <a:lumMod val="75000"/>
                   </a:srgbClr>
                 </a:buClr>
-                <a:buSzTx/>
-                <a:buFontTx/>
-                <a:buNone/>
-                <a:tabLst/>
                 <a:defRPr/>
               </a:pPr>
               <a:endParaRPr lang="en-US" sz="3200" dirty="0">
@@ -5591,25 +5455,12 @@
               </a:endParaRPr>
             </a:p>
             <a:p>
-              <a:pPr marL="0" marR="0" lvl="0" indent="0" algn="l" defTabSz="457200" rtl="0" eaLnBrk="1" fontAlgn="auto" latinLnBrk="0" hangingPunct="1">
-                <a:lnSpc>
-                  <a:spcPct val="100000"/>
-                </a:lnSpc>
-                <a:spcBef>
-                  <a:spcPts val="0"/>
-                </a:spcBef>
-                <a:spcAft>
-                  <a:spcPts val="0"/>
-                </a:spcAft>
+              <a:pPr algn="just">
                 <a:buClr>
                   <a:srgbClr val="A5A5A5">
                     <a:lumMod val="75000"/>
                   </a:srgbClr>
                 </a:buClr>
-                <a:buSzTx/>
-                <a:buFontTx/>
-                <a:buNone/>
-                <a:tabLst/>
                 <a:defRPr/>
               </a:pPr>
               <a:endParaRPr lang="en-US" sz="3200" dirty="0">
@@ -5617,101 +5468,38 @@
               </a:endParaRPr>
             </a:p>
             <a:p>
-              <a:pPr marL="0" marR="0" lvl="0" indent="0" algn="l" defTabSz="457200" rtl="0" eaLnBrk="1" fontAlgn="auto" latinLnBrk="0" hangingPunct="1">
-                <a:lnSpc>
-                  <a:spcPct val="100000"/>
-                </a:lnSpc>
-                <a:spcBef>
-                  <a:spcPts val="0"/>
-                </a:spcBef>
-                <a:spcAft>
-                  <a:spcPts val="0"/>
-                </a:spcAft>
+              <a:pPr algn="just">
                 <a:buClr>
                   <a:srgbClr val="A5A5A5">
                     <a:lumMod val="75000"/>
                   </a:srgbClr>
                 </a:buClr>
-                <a:buSzTx/>
-                <a:buFontTx/>
-                <a:buNone/>
-                <a:tabLst/>
                 <a:defRPr/>
               </a:pPr>
-              <a:r>
-                <a:rPr lang="en-US" sz="3200" b="1" dirty="0">
-                  <a:solidFill>
-                    <a:schemeClr val="accent1"/>
-                  </a:solidFill>
-                  <a:latin typeface="+mj-lt"/>
-                </a:rPr>
-                <a:t>4. </a:t>
-              </a:r>
-              <a:r>
-                <a:rPr lang="en-US" sz="3200" dirty="0">
-                  <a:latin typeface="+mj-lt"/>
-                </a:rPr>
-                <a:t>Longitudinal alignment of neurons across extinction days</a:t>
-              </a:r>
-            </a:p>
-            <a:p>
-              <a:pPr marL="0" marR="0" lvl="0" indent="0" algn="l" defTabSz="457200" rtl="0" eaLnBrk="1" fontAlgn="auto" latinLnBrk="0" hangingPunct="1">
-                <a:lnSpc>
-                  <a:spcPct val="100000"/>
-                </a:lnSpc>
-                <a:spcBef>
-                  <a:spcPts val="0"/>
-                </a:spcBef>
-                <a:spcAft>
-                  <a:spcPts val="0"/>
-                </a:spcAft>
+              <a:endParaRPr lang="en-US" sz="3200" dirty="0">
+                <a:latin typeface="+mj-lt"/>
+              </a:endParaRPr>
+            </a:p>
+            <a:p>
+              <a:pPr algn="just">
                 <a:buClr>
                   <a:srgbClr val="A5A5A5">
                     <a:lumMod val="75000"/>
                   </a:srgbClr>
                 </a:buClr>
-                <a:buSzTx/>
-                <a:buFontTx/>
-                <a:buNone/>
-                <a:tabLst/>
                 <a:defRPr/>
               </a:pPr>
-              <a:r>
-                <a:rPr lang="en-US" sz="3200" b="1" dirty="0">
-                  <a:solidFill>
-                    <a:schemeClr val="accent1"/>
-                  </a:solidFill>
-                  <a:latin typeface="+mj-lt"/>
-                </a:rPr>
-                <a:t>5. </a:t>
-              </a:r>
-              <a:r>
-                <a:rPr lang="en-US" sz="3200" dirty="0">
-                  <a:latin typeface="+mj-lt"/>
-                </a:rPr>
-                <a:t>Post-Alignment verification</a:t>
-              </a:r>
-            </a:p>
-            <a:p>
-              <a:pPr marL="0" marR="0" lvl="0" indent="0" algn="l" defTabSz="457200" rtl="0" eaLnBrk="1" fontAlgn="auto" latinLnBrk="0" hangingPunct="1">
-                <a:lnSpc>
-                  <a:spcPct val="100000"/>
-                </a:lnSpc>
-                <a:spcBef>
-                  <a:spcPts val="0"/>
-                </a:spcBef>
-                <a:spcAft>
-                  <a:spcPts val="0"/>
-                </a:spcAft>
+              <a:endParaRPr lang="en-US" sz="3200" dirty="0">
+                <a:latin typeface="+mj-lt"/>
+              </a:endParaRPr>
+            </a:p>
+            <a:p>
+              <a:pPr algn="just">
                 <a:buClr>
                   <a:srgbClr val="A5A5A5">
                     <a:lumMod val="75000"/>
                   </a:srgbClr>
                 </a:buClr>
-                <a:buSzTx/>
-                <a:buFontTx/>
-                <a:buNone/>
-                <a:tabLst/>
                 <a:defRPr/>
               </a:pPr>
               <a:endParaRPr lang="en-US" sz="3200" dirty="0">
@@ -5719,25 +5507,12 @@
               </a:endParaRPr>
             </a:p>
             <a:p>
-              <a:pPr marL="0" marR="0" lvl="0" indent="0" algn="l" defTabSz="457200" rtl="0" eaLnBrk="1" fontAlgn="auto" latinLnBrk="0" hangingPunct="1">
-                <a:lnSpc>
-                  <a:spcPct val="100000"/>
-                </a:lnSpc>
-                <a:spcBef>
-                  <a:spcPts val="0"/>
-                </a:spcBef>
-                <a:spcAft>
-                  <a:spcPts val="0"/>
-                </a:spcAft>
+              <a:pPr algn="just">
                 <a:buClr>
                   <a:srgbClr val="A5A5A5">
                     <a:lumMod val="75000"/>
                   </a:srgbClr>
                 </a:buClr>
-                <a:buSzTx/>
-                <a:buFontTx/>
-                <a:buNone/>
-                <a:tabLst/>
                 <a:defRPr/>
               </a:pPr>
               <a:endParaRPr lang="en-US" sz="3200" dirty="0">
@@ -5745,718 +5520,58 @@
               </a:endParaRPr>
             </a:p>
             <a:p>
-              <a:pPr marL="0" marR="0" lvl="0" indent="0" algn="l" defTabSz="457200" rtl="0" eaLnBrk="1" fontAlgn="auto" latinLnBrk="0" hangingPunct="1">
-                <a:lnSpc>
-                  <a:spcPct val="100000"/>
-                </a:lnSpc>
-                <a:spcBef>
-                  <a:spcPts val="0"/>
-                </a:spcBef>
-                <a:spcAft>
-                  <a:spcPts val="0"/>
-                </a:spcAft>
+              <a:pPr algn="just">
                 <a:buClr>
                   <a:srgbClr val="A5A5A5">
                     <a:lumMod val="75000"/>
                   </a:srgbClr>
                 </a:buClr>
-                <a:buSzTx/>
-                <a:buFontTx/>
-                <a:buNone/>
-                <a:tabLst/>
                 <a:defRPr/>
               </a:pPr>
-              <a:endParaRPr lang="en-US" sz="3200" dirty="0">
-                <a:latin typeface="+mj-lt"/>
-              </a:endParaRPr>
-            </a:p>
-            <a:p>
-              <a:pPr marL="0" marR="0" lvl="0" indent="0" algn="l" defTabSz="457200" rtl="0" eaLnBrk="1" fontAlgn="auto" latinLnBrk="0" hangingPunct="1">
-                <a:lnSpc>
-                  <a:spcPct val="100000"/>
-                </a:lnSpc>
-                <a:spcBef>
-                  <a:spcPts val="0"/>
-                </a:spcBef>
-                <a:spcAft>
-                  <a:spcPts val="0"/>
-                </a:spcAft>
+              <a:r>
+                <a:rPr lang="en-US" sz="3200" dirty="0">
+                  <a:latin typeface="+mj-lt"/>
+                </a:rPr>
+                <a:t>In the heatmap plot shown, the mean luminance, z-score normalized, was plotted for all animals, with R+ and R- groups shown separately. These data represent the average across all neurons and all CS+ tone presentations. The graph contains three vertical lines: The first marks the onset of the tone, the second marks the onset of the shock (for shock sessions only), and the third marks the end of the tone, with the time in seconds centered on the onset of the tone. </a:t>
+              </a:r>
+            </a:p>
+            <a:p>
+              <a:pPr algn="just">
                 <a:buClr>
                   <a:srgbClr val="A5A5A5">
                     <a:lumMod val="75000"/>
                   </a:srgbClr>
                 </a:buClr>
-                <a:buSzTx/>
-                <a:buFontTx/>
-                <a:buNone/>
-                <a:tabLst/>
                 <a:defRPr/>
               </a:pPr>
-              <a:endParaRPr lang="en-US" sz="3200" dirty="0">
-                <a:latin typeface="+mj-lt"/>
-              </a:endParaRPr>
-            </a:p>
-            <a:p>
-              <a:pPr marL="0" marR="0" lvl="0" indent="0" algn="l" defTabSz="457200" rtl="0" eaLnBrk="1" fontAlgn="auto" latinLnBrk="0" hangingPunct="1">
-                <a:lnSpc>
-                  <a:spcPct val="100000"/>
-                </a:lnSpc>
-                <a:spcBef>
-                  <a:spcPts val="0"/>
-                </a:spcBef>
-                <a:spcAft>
-                  <a:spcPts val="0"/>
-                </a:spcAft>
+              <a:r>
+                <a:rPr lang="en-US" sz="3200" dirty="0">
+                  <a:latin typeface="+mj-lt"/>
+                </a:rPr>
+                <a:t>The data suggest that R animals show a much stronger response to the expected timing of the shock, particularly on days 1 and 2 (corresponding to the first and second lines on the y-axis). However, this response decreases over time, indicating a process of extinction.</a:t>
+              </a:r>
+            </a:p>
+            <a:p>
+              <a:pPr algn="just">
                 <a:buClr>
                   <a:srgbClr val="A5A5A5">
                     <a:lumMod val="75000"/>
                   </a:srgbClr>
                 </a:buClr>
-                <a:buSzTx/>
-                <a:buFontTx/>
-                <a:buNone/>
-                <a:tabLst/>
-                <a:defRPr/>
-              </a:pPr>
-              <a:endParaRPr lang="en-US" sz="3200" dirty="0">
-                <a:latin typeface="+mj-lt"/>
-              </a:endParaRPr>
-            </a:p>
-            <a:p>
-              <a:pPr marL="0" marR="0" lvl="0" indent="0" algn="l" defTabSz="457200" rtl="0" eaLnBrk="1" fontAlgn="auto" latinLnBrk="0" hangingPunct="1">
-                <a:lnSpc>
-                  <a:spcPct val="100000"/>
-                </a:lnSpc>
-                <a:spcBef>
-                  <a:spcPts val="0"/>
-                </a:spcBef>
-                <a:spcAft>
-                  <a:spcPts val="0"/>
-                </a:spcAft>
-                <a:buClr>
-                  <a:srgbClr val="A5A5A5">
-                    <a:lumMod val="75000"/>
-                  </a:srgbClr>
-                </a:buClr>
-                <a:buSzTx/>
-                <a:buFontTx/>
-                <a:buNone/>
-                <a:tabLst/>
-                <a:defRPr/>
-              </a:pPr>
-              <a:endParaRPr lang="en-US" sz="3200" dirty="0">
-                <a:latin typeface="+mj-lt"/>
-              </a:endParaRPr>
-            </a:p>
-            <a:p>
-              <a:pPr marL="0" marR="0" lvl="0" indent="0" algn="l" defTabSz="457200" rtl="0" eaLnBrk="1" fontAlgn="auto" latinLnBrk="0" hangingPunct="1">
-                <a:lnSpc>
-                  <a:spcPct val="100000"/>
-                </a:lnSpc>
-                <a:spcBef>
-                  <a:spcPts val="0"/>
-                </a:spcBef>
-                <a:spcAft>
-                  <a:spcPts val="0"/>
-                </a:spcAft>
-                <a:buClr>
-                  <a:srgbClr val="A5A5A5">
-                    <a:lumMod val="75000"/>
-                  </a:srgbClr>
-                </a:buClr>
-                <a:buSzTx/>
-                <a:buFontTx/>
-                <a:buNone/>
-                <a:tabLst/>
-                <a:defRPr/>
-              </a:pPr>
-              <a:endParaRPr lang="en-US" sz="3200" b="1" dirty="0">
-                <a:solidFill>
-                  <a:schemeClr val="accent1"/>
-                </a:solidFill>
-                <a:latin typeface="+mj-lt"/>
-              </a:endParaRPr>
-            </a:p>
-            <a:p>
-              <a:pPr marL="0" marR="0" lvl="0" indent="0" algn="l" defTabSz="457200" rtl="0" eaLnBrk="1" fontAlgn="auto" latinLnBrk="0" hangingPunct="1">
-                <a:lnSpc>
-                  <a:spcPct val="100000"/>
-                </a:lnSpc>
-                <a:spcBef>
-                  <a:spcPts val="0"/>
-                </a:spcBef>
-                <a:spcAft>
-                  <a:spcPts val="0"/>
-                </a:spcAft>
-                <a:buClr>
-                  <a:srgbClr val="A5A5A5">
-                    <a:lumMod val="75000"/>
-                  </a:srgbClr>
-                </a:buClr>
-                <a:buSzTx/>
-                <a:buFontTx/>
-                <a:buNone/>
-                <a:tabLst/>
                 <a:defRPr/>
               </a:pPr>
               <a:r>
-                <a:rPr lang="en-US" sz="3200" b="1" dirty="0">
+                <a:rPr lang="en-US" sz="3200" dirty="0">
                   <a:solidFill>
-                    <a:schemeClr val="accent1"/>
+                    <a:srgbClr val="FF0000"/>
                   </a:solidFill>
                   <a:latin typeface="+mj-lt"/>
                 </a:rPr>
-                <a:t>6. </a:t>
+                <a:t>Preliminary conclusion: As extinction progresses on subsequent days, the complexity of the network decreases in the R+ animals, while the R- animals maintain a constant level of complexity.</a:t>
               </a:r>
-              <a:r>
-                <a:rPr lang="en-US" sz="3200" dirty="0">
-                  <a:latin typeface="+mj-lt"/>
-                </a:rPr>
-                <a:t>Prism grin lens location validation</a:t>
-              </a:r>
-            </a:p>
-            <a:p>
-              <a:pPr marL="0" marR="0" lvl="0" indent="0" algn="l" defTabSz="457200" rtl="0" eaLnBrk="1" fontAlgn="auto" latinLnBrk="0" hangingPunct="1">
-                <a:lnSpc>
-                  <a:spcPct val="100000"/>
-                </a:lnSpc>
-                <a:spcBef>
-                  <a:spcPts val="0"/>
-                </a:spcBef>
-                <a:spcAft>
-                  <a:spcPts val="0"/>
-                </a:spcAft>
-                <a:buClr>
-                  <a:srgbClr val="A5A5A5">
-                    <a:lumMod val="75000"/>
-                  </a:srgbClr>
-                </a:buClr>
-                <a:buSzTx/>
-                <a:buFontTx/>
-                <a:buNone/>
-                <a:tabLst/>
-                <a:defRPr/>
-              </a:pPr>
-              <a:endParaRPr lang="en-US" sz="3200" dirty="0">
-                <a:latin typeface="+mj-lt"/>
-              </a:endParaRPr>
-            </a:p>
-            <a:p>
-              <a:pPr marL="0" marR="0" lvl="0" indent="0" algn="l" defTabSz="457200" rtl="0" eaLnBrk="1" fontAlgn="auto" latinLnBrk="0" hangingPunct="1">
-                <a:lnSpc>
-                  <a:spcPct val="100000"/>
-                </a:lnSpc>
-                <a:spcBef>
-                  <a:spcPts val="0"/>
-                </a:spcBef>
-                <a:spcAft>
-                  <a:spcPts val="0"/>
-                </a:spcAft>
-                <a:buClr>
-                  <a:srgbClr val="A5A5A5">
-                    <a:lumMod val="75000"/>
-                  </a:srgbClr>
-                </a:buClr>
-                <a:buSzTx/>
-                <a:buFontTx/>
-                <a:buNone/>
-                <a:tabLst/>
-                <a:defRPr/>
-              </a:pPr>
-              <a:endParaRPr lang="en-US" sz="3200" dirty="0">
-                <a:latin typeface="+mj-lt"/>
-              </a:endParaRPr>
-            </a:p>
-            <a:p>
-              <a:pPr marL="0" marR="0" lvl="0" indent="0" algn="l" defTabSz="457200" rtl="0" eaLnBrk="1" fontAlgn="auto" latinLnBrk="0" hangingPunct="1">
-                <a:lnSpc>
-                  <a:spcPct val="100000"/>
-                </a:lnSpc>
-                <a:spcBef>
-                  <a:spcPts val="0"/>
-                </a:spcBef>
-                <a:spcAft>
-                  <a:spcPts val="0"/>
-                </a:spcAft>
-                <a:buClr>
-                  <a:srgbClr val="A5A5A5">
-                    <a:lumMod val="75000"/>
-                  </a:srgbClr>
-                </a:buClr>
-                <a:buSzTx/>
-                <a:buFontTx/>
-                <a:buNone/>
-                <a:tabLst/>
-                <a:defRPr/>
-              </a:pPr>
-              <a:endParaRPr lang="en-US" sz="3200" dirty="0">
-                <a:latin typeface="+mj-lt"/>
-              </a:endParaRPr>
-            </a:p>
-            <a:p>
-              <a:pPr marL="0" marR="0" lvl="0" indent="0" algn="l" defTabSz="457200" rtl="0" eaLnBrk="1" fontAlgn="auto" latinLnBrk="0" hangingPunct="1">
-                <a:lnSpc>
-                  <a:spcPct val="100000"/>
-                </a:lnSpc>
-                <a:spcBef>
-                  <a:spcPts val="0"/>
-                </a:spcBef>
-                <a:spcAft>
-                  <a:spcPts val="0"/>
-                </a:spcAft>
-                <a:buClr>
-                  <a:srgbClr val="A5A5A5">
-                    <a:lumMod val="75000"/>
-                  </a:srgbClr>
-                </a:buClr>
-                <a:buSzTx/>
-                <a:buFontTx/>
-                <a:buNone/>
-                <a:tabLst/>
-                <a:defRPr/>
-              </a:pPr>
-              <a:endParaRPr lang="en-US" sz="3200" dirty="0">
-                <a:latin typeface="+mj-lt"/>
-              </a:endParaRPr>
-            </a:p>
-            <a:p>
-              <a:pPr marL="0" marR="0" lvl="0" indent="0" algn="l" defTabSz="457200" rtl="0" eaLnBrk="1" fontAlgn="auto" latinLnBrk="0" hangingPunct="1">
-                <a:lnSpc>
-                  <a:spcPct val="100000"/>
-                </a:lnSpc>
-                <a:spcBef>
-                  <a:spcPts val="0"/>
-                </a:spcBef>
-                <a:spcAft>
-                  <a:spcPts val="0"/>
-                </a:spcAft>
-                <a:buClr>
-                  <a:srgbClr val="A5A5A5">
-                    <a:lumMod val="75000"/>
-                  </a:srgbClr>
-                </a:buClr>
-                <a:buSzTx/>
-                <a:buFontTx/>
-                <a:buNone/>
-                <a:tabLst/>
-                <a:defRPr/>
-              </a:pPr>
-              <a:endParaRPr lang="en-US" sz="3200" dirty="0">
-                <a:latin typeface="+mj-lt"/>
-              </a:endParaRPr>
-            </a:p>
-            <a:p>
-              <a:pPr marL="0" marR="0" lvl="0" indent="0" algn="l" defTabSz="457200" rtl="0" eaLnBrk="1" fontAlgn="auto" latinLnBrk="0" hangingPunct="1">
-                <a:lnSpc>
-                  <a:spcPct val="100000"/>
-                </a:lnSpc>
-                <a:spcBef>
-                  <a:spcPts val="0"/>
-                </a:spcBef>
-                <a:spcAft>
-                  <a:spcPts val="0"/>
-                </a:spcAft>
-                <a:buClr>
-                  <a:srgbClr val="A5A5A5">
-                    <a:lumMod val="75000"/>
-                  </a:srgbClr>
-                </a:buClr>
-                <a:buSzTx/>
-                <a:buFontTx/>
-                <a:buNone/>
-                <a:tabLst/>
-                <a:defRPr/>
-              </a:pPr>
-              <a:endParaRPr lang="en-US" sz="3200" dirty="0">
-                <a:latin typeface="+mj-lt"/>
-              </a:endParaRPr>
-            </a:p>
-            <a:p>
-              <a:pPr marL="0" marR="0" lvl="0" indent="0" algn="l" defTabSz="457200" rtl="0" eaLnBrk="1" fontAlgn="auto" latinLnBrk="0" hangingPunct="1">
-                <a:lnSpc>
-                  <a:spcPct val="100000"/>
-                </a:lnSpc>
-                <a:spcBef>
-                  <a:spcPts val="0"/>
-                </a:spcBef>
-                <a:spcAft>
-                  <a:spcPts val="0"/>
-                </a:spcAft>
-                <a:buClr>
-                  <a:srgbClr val="A5A5A5">
-                    <a:lumMod val="75000"/>
-                  </a:srgbClr>
-                </a:buClr>
-                <a:buSzTx/>
-                <a:buFontTx/>
-                <a:buNone/>
-                <a:tabLst/>
-                <a:defRPr/>
-              </a:pPr>
-              <a:endParaRPr lang="en-US" sz="3200" dirty="0">
-                <a:latin typeface="+mj-lt"/>
-              </a:endParaRPr>
             </a:p>
           </p:txBody>
         </p:sp>
-        <p:grpSp>
-          <p:nvGrpSpPr>
-            <p:cNvPr id="1348" name="Group 1347">
-              <a:extLst>
-                <a:ext uri="{FF2B5EF4-FFF2-40B4-BE49-F238E27FC236}">
-                  <a16:creationId xmlns:a16="http://schemas.microsoft.com/office/drawing/2014/main" id="{F6AAC366-32C1-526E-9703-EC3E12675692}"/>
-                </a:ext>
-              </a:extLst>
-            </p:cNvPr>
-            <p:cNvGrpSpPr/>
-            <p:nvPr/>
-          </p:nvGrpSpPr>
-          <p:grpSpPr>
-            <a:xfrm>
-              <a:off x="1884450" y="29442726"/>
-              <a:ext cx="13219941" cy="2826546"/>
-              <a:chOff x="-17338620" y="25683262"/>
-              <a:chExt cx="10430357" cy="1969650"/>
-            </a:xfrm>
-          </p:grpSpPr>
-          <p:pic>
-            <p:nvPicPr>
-              <p:cNvPr id="32" name="Picture 31">
-                <a:extLst>
-                  <a:ext uri="{FF2B5EF4-FFF2-40B4-BE49-F238E27FC236}">
-                    <a16:creationId xmlns:a16="http://schemas.microsoft.com/office/drawing/2014/main" id="{38A92A6B-D6C1-115F-9C49-97C34EB3B82F}"/>
-                  </a:ext>
-                </a:extLst>
-              </p:cNvPr>
-              <p:cNvPicPr>
-                <a:picLocks noChangeAspect="1"/>
-              </p:cNvPicPr>
-              <p:nvPr/>
-            </p:nvPicPr>
-            <p:blipFill>
-              <a:blip r:embed="rId7">
-                <a:extLst>
-                  <a:ext uri="{28A0092B-C50C-407E-A947-70E740481C1C}">
-                    <a14:useLocalDpi xmlns:a14="http://schemas.microsoft.com/office/drawing/2010/main" val="0"/>
-                  </a:ext>
-                </a:extLst>
-              </a:blip>
-              <a:srcRect l="12855" t="35270" r="9210" b="34834"/>
-              <a:stretch/>
-            </p:blipFill>
-            <p:spPr>
-              <a:xfrm>
-                <a:off x="-17338620" y="25683262"/>
-                <a:ext cx="10362170" cy="1969650"/>
-              </a:xfrm>
-              <a:prstGeom prst="rect">
-                <a:avLst/>
-              </a:prstGeom>
-            </p:spPr>
-          </p:pic>
-          <p:sp>
-            <p:nvSpPr>
-              <p:cNvPr id="31" name="TextBox 30">
-                <a:extLst>
-                  <a:ext uri="{FF2B5EF4-FFF2-40B4-BE49-F238E27FC236}">
-                    <a16:creationId xmlns:a16="http://schemas.microsoft.com/office/drawing/2014/main" id="{1DA327A0-1B33-B958-66BB-5BDA9E1B835E}"/>
-                  </a:ext>
-                </a:extLst>
-              </p:cNvPr>
-              <p:cNvSpPr txBox="1"/>
-              <p:nvPr/>
-            </p:nvSpPr>
-            <p:spPr>
-              <a:xfrm>
-                <a:off x="-16933091" y="25683262"/>
-                <a:ext cx="1338053" cy="257365"/>
-              </a:xfrm>
-              <a:prstGeom prst="rect">
-                <a:avLst/>
-              </a:prstGeom>
-              <a:solidFill>
-                <a:schemeClr val="bg1"/>
-              </a:solidFill>
-            </p:spPr>
-            <p:txBody>
-              <a:bodyPr wrap="none" rtlCol="0">
-                <a:spAutoFit/>
-              </a:bodyPr>
-              <a:lstStyle/>
-              <a:p>
-                <a:pPr algn="ctr"/>
-                <a:r>
-                  <a:rPr lang="en-US" dirty="0"/>
-                  <a:t>Extinction Day 1</a:t>
-                </a:r>
-              </a:p>
-            </p:txBody>
-          </p:sp>
-          <p:sp>
-            <p:nvSpPr>
-              <p:cNvPr id="1344" name="TextBox 1343">
-                <a:extLst>
-                  <a:ext uri="{FF2B5EF4-FFF2-40B4-BE49-F238E27FC236}">
-                    <a16:creationId xmlns:a16="http://schemas.microsoft.com/office/drawing/2014/main" id="{0D7AF6A3-C1AA-F799-8DA5-DB81D3FB877F}"/>
-                  </a:ext>
-                </a:extLst>
-              </p:cNvPr>
-              <p:cNvSpPr txBox="1"/>
-              <p:nvPr/>
-            </p:nvSpPr>
-            <p:spPr>
-              <a:xfrm>
-                <a:off x="-14209110" y="25683262"/>
-                <a:ext cx="1338053" cy="257365"/>
-              </a:xfrm>
-              <a:prstGeom prst="rect">
-                <a:avLst/>
-              </a:prstGeom>
-              <a:solidFill>
-                <a:schemeClr val="bg1"/>
-              </a:solidFill>
-            </p:spPr>
-            <p:txBody>
-              <a:bodyPr wrap="none" rtlCol="0">
-                <a:spAutoFit/>
-              </a:bodyPr>
-              <a:lstStyle/>
-              <a:p>
-                <a:pPr algn="ctr"/>
-                <a:r>
-                  <a:rPr lang="en-US" dirty="0"/>
-                  <a:t>Extinction Day 2</a:t>
-                </a:r>
-              </a:p>
-            </p:txBody>
-          </p:sp>
-          <p:sp>
-            <p:nvSpPr>
-              <p:cNvPr id="1345" name="TextBox 1344">
-                <a:extLst>
-                  <a:ext uri="{FF2B5EF4-FFF2-40B4-BE49-F238E27FC236}">
-                    <a16:creationId xmlns:a16="http://schemas.microsoft.com/office/drawing/2014/main" id="{7963FE91-0A07-0E48-3F6C-79C915722CD5}"/>
-                  </a:ext>
-                </a:extLst>
-              </p:cNvPr>
-              <p:cNvSpPr txBox="1"/>
-              <p:nvPr/>
-            </p:nvSpPr>
-            <p:spPr>
-              <a:xfrm>
-                <a:off x="-11482401" y="25683262"/>
-                <a:ext cx="1338053" cy="257365"/>
-              </a:xfrm>
-              <a:prstGeom prst="rect">
-                <a:avLst/>
-              </a:prstGeom>
-              <a:solidFill>
-                <a:schemeClr val="bg1"/>
-              </a:solidFill>
-            </p:spPr>
-            <p:txBody>
-              <a:bodyPr wrap="none" rtlCol="0">
-                <a:spAutoFit/>
-              </a:bodyPr>
-              <a:lstStyle/>
-              <a:p>
-                <a:pPr algn="ctr"/>
-                <a:r>
-                  <a:rPr lang="en-US" dirty="0"/>
-                  <a:t>Extinction Day 3</a:t>
-                </a:r>
-              </a:p>
-            </p:txBody>
-          </p:sp>
-          <p:sp>
-            <p:nvSpPr>
-              <p:cNvPr id="1346" name="TextBox 1345">
-                <a:extLst>
-                  <a:ext uri="{FF2B5EF4-FFF2-40B4-BE49-F238E27FC236}">
-                    <a16:creationId xmlns:a16="http://schemas.microsoft.com/office/drawing/2014/main" id="{669B4504-EE26-BE13-FA02-17EA35DED916}"/>
-                  </a:ext>
-                </a:extLst>
-              </p:cNvPr>
-              <p:cNvSpPr txBox="1"/>
-              <p:nvPr/>
-            </p:nvSpPr>
-            <p:spPr>
-              <a:xfrm>
-                <a:off x="-8755695" y="25683262"/>
-                <a:ext cx="1338053" cy="257365"/>
-              </a:xfrm>
-              <a:prstGeom prst="rect">
-                <a:avLst/>
-              </a:prstGeom>
-              <a:solidFill>
-                <a:schemeClr val="bg1"/>
-              </a:solidFill>
-            </p:spPr>
-            <p:txBody>
-              <a:bodyPr wrap="none" rtlCol="0">
-                <a:spAutoFit/>
-              </a:bodyPr>
-              <a:lstStyle/>
-              <a:p>
-                <a:pPr algn="ctr"/>
-                <a:r>
-                  <a:rPr lang="en-US" dirty="0"/>
-                  <a:t>Extinction Day 4</a:t>
-                </a:r>
-              </a:p>
-            </p:txBody>
-          </p:sp>
-          <p:sp>
-            <p:nvSpPr>
-              <p:cNvPr id="1347" name="TextBox 1346">
-                <a:extLst>
-                  <a:ext uri="{FF2B5EF4-FFF2-40B4-BE49-F238E27FC236}">
-                    <a16:creationId xmlns:a16="http://schemas.microsoft.com/office/drawing/2014/main" id="{F687E9C4-22CF-695F-FF4B-DDCF6D5118A9}"/>
-                  </a:ext>
-                </a:extLst>
-              </p:cNvPr>
-              <p:cNvSpPr txBox="1"/>
-              <p:nvPr/>
-            </p:nvSpPr>
-            <p:spPr>
-              <a:xfrm>
-                <a:off x="-9626915" y="27259382"/>
-                <a:ext cx="2718652" cy="257365"/>
-              </a:xfrm>
-              <a:prstGeom prst="rect">
-                <a:avLst/>
-              </a:prstGeom>
-              <a:solidFill>
-                <a:schemeClr val="bg1"/>
-              </a:solidFill>
-            </p:spPr>
-            <p:txBody>
-              <a:bodyPr wrap="none" rtlCol="0">
-                <a:spAutoFit/>
-              </a:bodyPr>
-              <a:lstStyle/>
-              <a:p>
-                <a:pPr algn="r"/>
-                <a:r>
-                  <a:rPr lang="en-US" dirty="0">
-                    <a:solidFill>
-                      <a:schemeClr val="accent6"/>
-                    </a:solidFill>
-                  </a:rPr>
-                  <a:t>Aligned neurons across all sessions</a:t>
-                </a:r>
-              </a:p>
-            </p:txBody>
-          </p:sp>
-        </p:grpSp>
-        <p:grpSp>
-          <p:nvGrpSpPr>
-            <p:cNvPr id="2241" name="Group 2240">
-              <a:extLst>
-                <a:ext uri="{FF2B5EF4-FFF2-40B4-BE49-F238E27FC236}">
-                  <a16:creationId xmlns:a16="http://schemas.microsoft.com/office/drawing/2014/main" id="{C2F89895-1DC5-AB5E-26B0-19C1439A9DC9}"/>
-                </a:ext>
-              </a:extLst>
-            </p:cNvPr>
-            <p:cNvGrpSpPr/>
-            <p:nvPr/>
-          </p:nvGrpSpPr>
-          <p:grpSpPr>
-            <a:xfrm>
-              <a:off x="1550024" y="33163014"/>
-              <a:ext cx="4861448" cy="3504148"/>
-              <a:chOff x="1884450" y="33315606"/>
-              <a:chExt cx="4519617" cy="3157178"/>
-            </a:xfrm>
-          </p:grpSpPr>
-          <p:pic>
-            <p:nvPicPr>
-              <p:cNvPr id="1370" name="Picture 1369">
-                <a:extLst>
-                  <a:ext uri="{FF2B5EF4-FFF2-40B4-BE49-F238E27FC236}">
-                    <a16:creationId xmlns:a16="http://schemas.microsoft.com/office/drawing/2014/main" id="{A95D83D8-D740-501A-DCF9-4226D4E95193}"/>
-                  </a:ext>
-                </a:extLst>
-              </p:cNvPr>
-              <p:cNvPicPr>
-                <a:picLocks noChangeAspect="1"/>
-              </p:cNvPicPr>
-              <p:nvPr/>
-            </p:nvPicPr>
-            <p:blipFill>
-              <a:blip r:embed="rId8">
-                <a:extLst>
-                  <a:ext uri="{28A0092B-C50C-407E-A947-70E740481C1C}">
-                    <a14:useLocalDpi xmlns:a14="http://schemas.microsoft.com/office/drawing/2010/main" val="0"/>
-                  </a:ext>
-                </a:extLst>
-              </a:blip>
-              <a:srcRect l="17586" t="17647" r="51278" b="65201"/>
-              <a:stretch/>
-            </p:blipFill>
-            <p:spPr>
-              <a:xfrm>
-                <a:off x="1884450" y="33315606"/>
-                <a:ext cx="4519617" cy="3157178"/>
-              </a:xfrm>
-              <a:prstGeom prst="rect">
-                <a:avLst/>
-              </a:prstGeom>
-            </p:spPr>
-          </p:pic>
-          <p:sp>
-            <p:nvSpPr>
-              <p:cNvPr id="3" name="TextBox 2">
-                <a:extLst>
-                  <a:ext uri="{FF2B5EF4-FFF2-40B4-BE49-F238E27FC236}">
-                    <a16:creationId xmlns:a16="http://schemas.microsoft.com/office/drawing/2014/main" id="{B555DF07-7A10-1788-DD8C-7088D30EFBA7}"/>
-                  </a:ext>
-                </a:extLst>
-              </p:cNvPr>
-              <p:cNvSpPr txBox="1"/>
-              <p:nvPr/>
-            </p:nvSpPr>
-            <p:spPr>
-              <a:xfrm>
-                <a:off x="2025126" y="35505075"/>
-                <a:ext cx="1605510" cy="646331"/>
-              </a:xfrm>
-              <a:prstGeom prst="rect">
-                <a:avLst/>
-              </a:prstGeom>
-              <a:solidFill>
-                <a:schemeClr val="tx1">
-                  <a:alpha val="69000"/>
-                </a:schemeClr>
-              </a:solidFill>
-            </p:spPr>
-            <p:txBody>
-              <a:bodyPr wrap="square">
-                <a:spAutoFit/>
-              </a:bodyPr>
-              <a:lstStyle/>
-              <a:p>
-                <a:r>
-                  <a:rPr lang="en-US" sz="1800" dirty="0">
-                    <a:solidFill>
-                      <a:srgbClr val="92D050"/>
-                    </a:solidFill>
-                    <a:effectLst/>
-                    <a:latin typeface="Calibri" panose="020F0502020204030204" pitchFamily="34" charset="0"/>
-                    <a:ea typeface="Calibri" panose="020F0502020204030204" pitchFamily="34" charset="0"/>
-                    <a:cs typeface="Arial" panose="020B0604020202020204" pitchFamily="34" charset="0"/>
-                  </a:rPr>
-                  <a:t>AAV1-CamkIIa-GCaMP6f</a:t>
-                </a:r>
-                <a:endParaRPr lang="en-US" dirty="0">
-                  <a:solidFill>
-                    <a:srgbClr val="92D050"/>
-                  </a:solidFill>
-                </a:endParaRPr>
-              </a:p>
-            </p:txBody>
-          </p:sp>
-        </p:grpSp>
         <p:sp>
           <p:nvSpPr>
             <p:cNvPr id="1357" name="TextBox 1356">
@@ -6492,12 +5607,987 @@
             </a:p>
           </p:txBody>
         </p:sp>
+      </p:grpSp>
+      <p:grpSp>
+        <p:nvGrpSpPr>
+          <p:cNvPr id="2" name="Gruppieren 1">
+            <a:extLst>
+              <a:ext uri="{FF2B5EF4-FFF2-40B4-BE49-F238E27FC236}">
+                <a16:creationId xmlns:a16="http://schemas.microsoft.com/office/drawing/2014/main" id="{529F88A6-1460-028E-3CEE-827BD2AF2F08}"/>
+              </a:ext>
+            </a:extLst>
+          </p:cNvPr>
+          <p:cNvGrpSpPr/>
+          <p:nvPr/>
+        </p:nvGrpSpPr>
+        <p:grpSpPr>
+          <a:xfrm>
+            <a:off x="15902536" y="33151427"/>
+            <a:ext cx="12556440" cy="3410757"/>
+            <a:chOff x="15825792" y="26500072"/>
+            <a:chExt cx="12556440" cy="3410757"/>
+          </a:xfrm>
+        </p:grpSpPr>
+        <p:pic>
+          <p:nvPicPr>
+            <p:cNvPr id="8" name="Grafik 7" descr="Ein Bild, das Vogel enthält.&#10;&#10;Automatisch generierte Beschreibung mit mittlerer Zuverlässigkeit">
+              <a:extLst>
+                <a:ext uri="{FF2B5EF4-FFF2-40B4-BE49-F238E27FC236}">
+                  <a16:creationId xmlns:a16="http://schemas.microsoft.com/office/drawing/2014/main" id="{DD8D55F2-3529-ADFB-25D4-AA9781C24175}"/>
+                </a:ext>
+              </a:extLst>
+            </p:cNvPr>
+            <p:cNvPicPr>
+              <a:picLocks noChangeAspect="1"/>
+            </p:cNvPicPr>
+            <p:nvPr/>
+          </p:nvPicPr>
+          <p:blipFill>
+            <a:blip r:embed="rId7">
+              <a:extLst>
+                <a:ext uri="{28A0092B-C50C-407E-A947-70E740481C1C}">
+                  <a14:useLocalDpi xmlns:a14="http://schemas.microsoft.com/office/drawing/2010/main" val="0"/>
+                </a:ext>
+              </a:extLst>
+            </a:blip>
+            <a:stretch>
+              <a:fillRect/>
+            </a:stretch>
+          </p:blipFill>
+          <p:spPr>
+            <a:xfrm>
+              <a:off x="22422817" y="27334053"/>
+              <a:ext cx="2556508" cy="2556508"/>
+            </a:xfrm>
+            <a:prstGeom prst="rect">
+              <a:avLst/>
+            </a:prstGeom>
+            <a:solidFill>
+              <a:srgbClr val="FFFFFF">
+                <a:shade val="85000"/>
+              </a:srgbClr>
+            </a:solidFill>
+            <a:ln w="88900" cap="sq">
+              <a:solidFill>
+                <a:srgbClr val="FFFFFF"/>
+              </a:solidFill>
+              <a:miter lim="800000"/>
+            </a:ln>
+            <a:effectLst>
+              <a:outerShdw blurRad="55000" dist="18000" dir="5400000" algn="tl" rotWithShape="0">
+                <a:srgbClr val="000000">
+                  <a:alpha val="40000"/>
+                </a:srgbClr>
+              </a:outerShdw>
+            </a:effectLst>
+            <a:scene3d>
+              <a:camera prst="orthographicFront"/>
+              <a:lightRig rig="twoPt" dir="t">
+                <a:rot lat="0" lon="0" rev="7200000"/>
+              </a:lightRig>
+            </a:scene3d>
+            <a:sp3d>
+              <a:bevelT w="25400" h="19050"/>
+              <a:contourClr>
+                <a:srgbClr val="FFFFFF"/>
+              </a:contourClr>
+            </a:sp3d>
+          </p:spPr>
+        </p:pic>
+        <p:pic>
+          <p:nvPicPr>
+            <p:cNvPr id="10" name="Grafik 9" descr="Ein Bild, das Vogel enthält.&#10;&#10;Automatisch generierte Beschreibung mit mittlerer Zuverlässigkeit">
+              <a:extLst>
+                <a:ext uri="{FF2B5EF4-FFF2-40B4-BE49-F238E27FC236}">
+                  <a16:creationId xmlns:a16="http://schemas.microsoft.com/office/drawing/2014/main" id="{456FB860-9AF1-1B4F-8EA2-C34C9914C6BD}"/>
+                </a:ext>
+              </a:extLst>
+            </p:cNvPr>
+            <p:cNvPicPr>
+              <a:picLocks noChangeAspect="1"/>
+            </p:cNvPicPr>
+            <p:nvPr/>
+          </p:nvPicPr>
+          <p:blipFill>
+            <a:blip r:embed="rId8">
+              <a:extLst>
+                <a:ext uri="{28A0092B-C50C-407E-A947-70E740481C1C}">
+                  <a14:useLocalDpi xmlns:a14="http://schemas.microsoft.com/office/drawing/2010/main" val="0"/>
+                </a:ext>
+              </a:extLst>
+            </a:blip>
+            <a:stretch>
+              <a:fillRect/>
+            </a:stretch>
+          </p:blipFill>
+          <p:spPr>
+            <a:xfrm>
+              <a:off x="25825723" y="27354320"/>
+              <a:ext cx="2556509" cy="2556509"/>
+            </a:xfrm>
+            <a:prstGeom prst="rect">
+              <a:avLst/>
+            </a:prstGeom>
+            <a:solidFill>
+              <a:srgbClr val="FFFFFF">
+                <a:shade val="85000"/>
+              </a:srgbClr>
+            </a:solidFill>
+            <a:ln w="88900" cap="sq">
+              <a:solidFill>
+                <a:srgbClr val="FFFFFF"/>
+              </a:solidFill>
+              <a:miter lim="800000"/>
+            </a:ln>
+            <a:effectLst>
+              <a:outerShdw blurRad="55000" dist="18000" dir="5400000" algn="tl" rotWithShape="0">
+                <a:srgbClr val="000000">
+                  <a:alpha val="40000"/>
+                </a:srgbClr>
+              </a:outerShdw>
+            </a:effectLst>
+            <a:scene3d>
+              <a:camera prst="orthographicFront"/>
+              <a:lightRig rig="twoPt" dir="t">
+                <a:rot lat="0" lon="0" rev="7200000"/>
+              </a:lightRig>
+            </a:scene3d>
+            <a:sp3d>
+              <a:bevelT w="25400" h="19050"/>
+              <a:contourClr>
+                <a:srgbClr val="FFFFFF"/>
+              </a:contourClr>
+            </a:sp3d>
+          </p:spPr>
+        </p:pic>
+        <p:pic>
+          <p:nvPicPr>
+            <p:cNvPr id="13" name="Grafik 12" descr="Ein Bild, das Vogel enthält.&#10;&#10;Automatisch generierte Beschreibung">
+              <a:extLst>
+                <a:ext uri="{FF2B5EF4-FFF2-40B4-BE49-F238E27FC236}">
+                  <a16:creationId xmlns:a16="http://schemas.microsoft.com/office/drawing/2014/main" id="{4D0D950C-DA45-BFE7-3207-DCE327AC75E2}"/>
+                </a:ext>
+              </a:extLst>
+            </p:cNvPr>
+            <p:cNvPicPr>
+              <a:picLocks noChangeAspect="1"/>
+            </p:cNvPicPr>
+            <p:nvPr/>
+          </p:nvPicPr>
+          <p:blipFill>
+            <a:blip r:embed="rId9">
+              <a:extLst>
+                <a:ext uri="{28A0092B-C50C-407E-A947-70E740481C1C}">
+                  <a14:useLocalDpi xmlns:a14="http://schemas.microsoft.com/office/drawing/2010/main" val="0"/>
+                </a:ext>
+              </a:extLst>
+            </a:blip>
+            <a:stretch>
+              <a:fillRect/>
+            </a:stretch>
+          </p:blipFill>
+          <p:spPr>
+            <a:xfrm>
+              <a:off x="19035520" y="27334053"/>
+              <a:ext cx="2556508" cy="2556508"/>
+            </a:xfrm>
+            <a:prstGeom prst="rect">
+              <a:avLst/>
+            </a:prstGeom>
+            <a:solidFill>
+              <a:srgbClr val="FFFFFF">
+                <a:shade val="85000"/>
+              </a:srgbClr>
+            </a:solidFill>
+            <a:ln w="88900" cap="sq">
+              <a:solidFill>
+                <a:srgbClr val="FFFFFF"/>
+              </a:solidFill>
+              <a:miter lim="800000"/>
+            </a:ln>
+            <a:effectLst>
+              <a:outerShdw blurRad="55000" dist="18000" dir="5400000" algn="tl" rotWithShape="0">
+                <a:srgbClr val="000000">
+                  <a:alpha val="40000"/>
+                </a:srgbClr>
+              </a:outerShdw>
+            </a:effectLst>
+            <a:scene3d>
+              <a:camera prst="orthographicFront"/>
+              <a:lightRig rig="twoPt" dir="t">
+                <a:rot lat="0" lon="0" rev="7200000"/>
+              </a:lightRig>
+            </a:scene3d>
+            <a:sp3d>
+              <a:bevelT w="25400" h="19050"/>
+              <a:contourClr>
+                <a:srgbClr val="FFFFFF"/>
+              </a:contourClr>
+            </a:sp3d>
+          </p:spPr>
+        </p:pic>
+        <p:pic>
+          <p:nvPicPr>
+            <p:cNvPr id="16" name="Grafik 15">
+              <a:extLst>
+                <a:ext uri="{FF2B5EF4-FFF2-40B4-BE49-F238E27FC236}">
+                  <a16:creationId xmlns:a16="http://schemas.microsoft.com/office/drawing/2014/main" id="{569DE7E0-056A-8030-24BD-94E74AED3F8F}"/>
+                </a:ext>
+              </a:extLst>
+            </p:cNvPr>
+            <p:cNvPicPr>
+              <a:picLocks noChangeAspect="1"/>
+            </p:cNvPicPr>
+            <p:nvPr/>
+          </p:nvPicPr>
+          <p:blipFill>
+            <a:blip r:embed="rId10">
+              <a:extLst>
+                <a:ext uri="{28A0092B-C50C-407E-A947-70E740481C1C}">
+                  <a14:useLocalDpi xmlns:a14="http://schemas.microsoft.com/office/drawing/2010/main" val="0"/>
+                </a:ext>
+              </a:extLst>
+            </a:blip>
+            <a:stretch>
+              <a:fillRect/>
+            </a:stretch>
+          </p:blipFill>
+          <p:spPr>
+            <a:xfrm>
+              <a:off x="15825792" y="27334053"/>
+              <a:ext cx="2520102" cy="2520102"/>
+            </a:xfrm>
+            <a:prstGeom prst="rect">
+              <a:avLst/>
+            </a:prstGeom>
+            <a:solidFill>
+              <a:srgbClr val="FFFFFF">
+                <a:shade val="85000"/>
+              </a:srgbClr>
+            </a:solidFill>
+            <a:ln w="88900" cap="sq">
+              <a:solidFill>
+                <a:srgbClr val="FFFFFF"/>
+              </a:solidFill>
+              <a:miter lim="800000"/>
+            </a:ln>
+            <a:effectLst>
+              <a:outerShdw blurRad="55000" dist="18000" dir="5400000" algn="tl" rotWithShape="0">
+                <a:srgbClr val="000000">
+                  <a:alpha val="40000"/>
+                </a:srgbClr>
+              </a:outerShdw>
+            </a:effectLst>
+            <a:scene3d>
+              <a:camera prst="orthographicFront"/>
+              <a:lightRig rig="twoPt" dir="t">
+                <a:rot lat="0" lon="0" rev="7200000"/>
+              </a:lightRig>
+            </a:scene3d>
+            <a:sp3d>
+              <a:bevelT w="25400" h="19050"/>
+              <a:contourClr>
+                <a:srgbClr val="FFFFFF"/>
+              </a:contourClr>
+            </a:sp3d>
+          </p:spPr>
+        </p:pic>
+        <p:sp>
+          <p:nvSpPr>
+            <p:cNvPr id="17" name="TextBox 1343">
+              <a:extLst>
+                <a:ext uri="{FF2B5EF4-FFF2-40B4-BE49-F238E27FC236}">
+                  <a16:creationId xmlns:a16="http://schemas.microsoft.com/office/drawing/2014/main" id="{F90722F2-3CA7-D572-B803-11CE37A7F204}"/>
+                </a:ext>
+              </a:extLst>
+            </p:cNvPr>
+            <p:cNvSpPr txBox="1"/>
+            <p:nvPr/>
+          </p:nvSpPr>
+          <p:spPr>
+            <a:xfrm>
+              <a:off x="16718019" y="26518541"/>
+              <a:ext cx="4064894" cy="369332"/>
+            </a:xfrm>
+            <a:prstGeom prst="rect">
+              <a:avLst/>
+            </a:prstGeom>
+            <a:solidFill>
+              <a:schemeClr val="bg1"/>
+            </a:solidFill>
+          </p:spPr>
+          <p:txBody>
+            <a:bodyPr wrap="none" rtlCol="0">
+              <a:spAutoFit/>
+            </a:bodyPr>
+            <a:lstStyle/>
+            <a:p>
+              <a:pPr algn="ctr"/>
+              <a:r>
+                <a:rPr lang="en-US" dirty="0"/>
+                <a:t>Analysis for a network: Focus on Density  </a:t>
+              </a:r>
+            </a:p>
+          </p:txBody>
+        </p:sp>
+        <p:sp>
+          <p:nvSpPr>
+            <p:cNvPr id="19" name="TextBox 30">
+              <a:extLst>
+                <a:ext uri="{FF2B5EF4-FFF2-40B4-BE49-F238E27FC236}">
+                  <a16:creationId xmlns:a16="http://schemas.microsoft.com/office/drawing/2014/main" id="{0743A1EF-3D45-310A-2B6A-124B6C98A4CB}"/>
+                </a:ext>
+              </a:extLst>
+            </p:cNvPr>
+            <p:cNvSpPr txBox="1"/>
+            <p:nvPr/>
+          </p:nvSpPr>
+          <p:spPr>
+            <a:xfrm>
+              <a:off x="16237886" y="26809514"/>
+              <a:ext cx="1695913" cy="369332"/>
+            </a:xfrm>
+            <a:prstGeom prst="rect">
+              <a:avLst/>
+            </a:prstGeom>
+            <a:solidFill>
+              <a:schemeClr val="bg1"/>
+            </a:solidFill>
+          </p:spPr>
+          <p:txBody>
+            <a:bodyPr wrap="none" rtlCol="0">
+              <a:spAutoFit/>
+            </a:bodyPr>
+            <a:lstStyle/>
+            <a:p>
+              <a:pPr algn="ctr"/>
+              <a:r>
+                <a:rPr lang="en-US" dirty="0"/>
+                <a:t>Extinction Day 1</a:t>
+              </a:r>
+            </a:p>
+          </p:txBody>
+        </p:sp>
+        <p:sp>
+          <p:nvSpPr>
+            <p:cNvPr id="20" name="TextBox 30">
+              <a:extLst>
+                <a:ext uri="{FF2B5EF4-FFF2-40B4-BE49-F238E27FC236}">
+                  <a16:creationId xmlns:a16="http://schemas.microsoft.com/office/drawing/2014/main" id="{985089A2-30C2-A8F9-C0D3-E7809DB65010}"/>
+                </a:ext>
+              </a:extLst>
+            </p:cNvPr>
+            <p:cNvSpPr txBox="1"/>
+            <p:nvPr/>
+          </p:nvSpPr>
+          <p:spPr>
+            <a:xfrm>
+              <a:off x="19381473" y="26809514"/>
+              <a:ext cx="1695913" cy="369332"/>
+            </a:xfrm>
+            <a:prstGeom prst="rect">
+              <a:avLst/>
+            </a:prstGeom>
+            <a:solidFill>
+              <a:schemeClr val="bg1"/>
+            </a:solidFill>
+          </p:spPr>
+          <p:txBody>
+            <a:bodyPr wrap="none" rtlCol="0">
+              <a:spAutoFit/>
+            </a:bodyPr>
+            <a:lstStyle/>
+            <a:p>
+              <a:pPr algn="ctr"/>
+              <a:r>
+                <a:rPr lang="en-US" dirty="0"/>
+                <a:t>Extinction Day 4</a:t>
+              </a:r>
+            </a:p>
+          </p:txBody>
+        </p:sp>
+        <p:sp>
+          <p:nvSpPr>
+            <p:cNvPr id="22" name="TextBox 1343">
+              <a:extLst>
+                <a:ext uri="{FF2B5EF4-FFF2-40B4-BE49-F238E27FC236}">
+                  <a16:creationId xmlns:a16="http://schemas.microsoft.com/office/drawing/2014/main" id="{B3266AB3-DD2A-D9DF-B11F-5C44DFD9C672}"/>
+                </a:ext>
+              </a:extLst>
+            </p:cNvPr>
+            <p:cNvSpPr txBox="1"/>
+            <p:nvPr/>
+          </p:nvSpPr>
+          <p:spPr>
+            <a:xfrm>
+              <a:off x="23243280" y="26500072"/>
+              <a:ext cx="4271875" cy="369332"/>
+            </a:xfrm>
+            <a:prstGeom prst="rect">
+              <a:avLst/>
+            </a:prstGeom>
+            <a:solidFill>
+              <a:schemeClr val="bg1"/>
+            </a:solidFill>
+          </p:spPr>
+          <p:txBody>
+            <a:bodyPr wrap="none" rtlCol="0">
+              <a:spAutoFit/>
+            </a:bodyPr>
+            <a:lstStyle/>
+            <a:p>
+              <a:pPr algn="ctr"/>
+              <a:r>
+                <a:rPr lang="en-US" dirty="0"/>
+                <a:t>Analysis for a network: Focus on Transitivity</a:t>
+              </a:r>
+            </a:p>
+          </p:txBody>
+        </p:sp>
+        <p:sp>
+          <p:nvSpPr>
+            <p:cNvPr id="25" name="TextBox 30">
+              <a:extLst>
+                <a:ext uri="{FF2B5EF4-FFF2-40B4-BE49-F238E27FC236}">
+                  <a16:creationId xmlns:a16="http://schemas.microsoft.com/office/drawing/2014/main" id="{F80BB8FF-986A-4D93-E987-CF3AD9FED6FF}"/>
+                </a:ext>
+              </a:extLst>
+            </p:cNvPr>
+            <p:cNvSpPr txBox="1"/>
+            <p:nvPr/>
+          </p:nvSpPr>
+          <p:spPr>
+            <a:xfrm>
+              <a:off x="22866635" y="26791045"/>
+              <a:ext cx="1695913" cy="369332"/>
+            </a:xfrm>
+            <a:prstGeom prst="rect">
+              <a:avLst/>
+            </a:prstGeom>
+            <a:solidFill>
+              <a:schemeClr val="bg1"/>
+            </a:solidFill>
+          </p:spPr>
+          <p:txBody>
+            <a:bodyPr wrap="none" rtlCol="0">
+              <a:spAutoFit/>
+            </a:bodyPr>
+            <a:lstStyle/>
+            <a:p>
+              <a:pPr algn="ctr"/>
+              <a:r>
+                <a:rPr lang="en-US" dirty="0"/>
+                <a:t>Extinction Day 1</a:t>
+              </a:r>
+            </a:p>
+          </p:txBody>
+        </p:sp>
+        <p:sp>
+          <p:nvSpPr>
+            <p:cNvPr id="26" name="TextBox 30">
+              <a:extLst>
+                <a:ext uri="{FF2B5EF4-FFF2-40B4-BE49-F238E27FC236}">
+                  <a16:creationId xmlns:a16="http://schemas.microsoft.com/office/drawing/2014/main" id="{F0D7F860-D64F-041B-A2CE-B0D0FEE95A97}"/>
+                </a:ext>
+              </a:extLst>
+            </p:cNvPr>
+            <p:cNvSpPr txBox="1"/>
+            <p:nvPr/>
+          </p:nvSpPr>
+          <p:spPr>
+            <a:xfrm>
+              <a:off x="26010222" y="26791045"/>
+              <a:ext cx="1695913" cy="369332"/>
+            </a:xfrm>
+            <a:prstGeom prst="rect">
+              <a:avLst/>
+            </a:prstGeom>
+            <a:solidFill>
+              <a:schemeClr val="bg1"/>
+            </a:solidFill>
+          </p:spPr>
+          <p:txBody>
+            <a:bodyPr wrap="none" rtlCol="0">
+              <a:spAutoFit/>
+            </a:bodyPr>
+            <a:lstStyle/>
+            <a:p>
+              <a:pPr algn="ctr"/>
+              <a:r>
+                <a:rPr lang="en-US" dirty="0"/>
+                <a:t>Extinction Day 4</a:t>
+              </a:r>
+            </a:p>
+          </p:txBody>
+        </p:sp>
+      </p:grpSp>
+      <p:sp>
+        <p:nvSpPr>
+          <p:cNvPr id="44" name="Textfeld 43">
+            <a:extLst>
+              <a:ext uri="{FF2B5EF4-FFF2-40B4-BE49-F238E27FC236}">
+                <a16:creationId xmlns:a16="http://schemas.microsoft.com/office/drawing/2014/main" id="{4AA66160-4678-82F1-DB4D-D430348F13E0}"/>
+              </a:ext>
+            </a:extLst>
+          </p:cNvPr>
+          <p:cNvSpPr txBox="1"/>
+          <p:nvPr/>
+        </p:nvSpPr>
+        <p:spPr>
+          <a:xfrm>
+            <a:off x="24104781" y="22431768"/>
+            <a:ext cx="2443162" cy="338554"/>
+          </a:xfrm>
+          <a:prstGeom prst="rect">
+            <a:avLst/>
+          </a:prstGeom>
+          <a:noFill/>
+        </p:spPr>
+        <p:txBody>
+          <a:bodyPr wrap="square">
+            <a:spAutoFit/>
+          </a:bodyPr>
+          <a:lstStyle/>
+          <a:p>
+            <a:r>
+              <a:rPr lang="en-US" sz="1600" dirty="0">
+                <a:latin typeface="+mj-lt"/>
+              </a:rPr>
+              <a:t>connected</a:t>
+            </a:r>
+            <a:endParaRPr lang="de-DE" dirty="0"/>
+          </a:p>
+        </p:txBody>
+      </p:sp>
+      <p:sp>
+        <p:nvSpPr>
+          <p:cNvPr id="46" name="Textfeld 45">
+            <a:extLst>
+              <a:ext uri="{FF2B5EF4-FFF2-40B4-BE49-F238E27FC236}">
+                <a16:creationId xmlns:a16="http://schemas.microsoft.com/office/drawing/2014/main" id="{985BCE93-0374-772B-896D-F067214CB689}"/>
+              </a:ext>
+            </a:extLst>
+          </p:cNvPr>
+          <p:cNvSpPr txBox="1"/>
+          <p:nvPr/>
+        </p:nvSpPr>
+        <p:spPr>
+          <a:xfrm>
+            <a:off x="26490735" y="21982055"/>
+            <a:ext cx="2443162" cy="338554"/>
+          </a:xfrm>
+          <a:prstGeom prst="rect">
+            <a:avLst/>
+          </a:prstGeom>
+          <a:noFill/>
+        </p:spPr>
+        <p:txBody>
+          <a:bodyPr wrap="square">
+            <a:spAutoFit/>
+          </a:bodyPr>
+          <a:lstStyle/>
+          <a:p>
+            <a:r>
+              <a:rPr lang="en-US" sz="1600" dirty="0">
+                <a:latin typeface="+mj-lt"/>
+              </a:rPr>
+              <a:t>not connected</a:t>
+            </a:r>
+            <a:endParaRPr lang="de-DE" sz="1600" dirty="0"/>
+          </a:p>
+        </p:txBody>
+      </p:sp>
+      <p:grpSp>
+        <p:nvGrpSpPr>
+          <p:cNvPr id="53" name="Gruppieren 52">
+            <a:extLst>
+              <a:ext uri="{FF2B5EF4-FFF2-40B4-BE49-F238E27FC236}">
+                <a16:creationId xmlns:a16="http://schemas.microsoft.com/office/drawing/2014/main" id="{28CE0152-F8FD-77EC-B443-7CF989252A5C}"/>
+              </a:ext>
+            </a:extLst>
+          </p:cNvPr>
+          <p:cNvGrpSpPr/>
+          <p:nvPr/>
+        </p:nvGrpSpPr>
+        <p:grpSpPr>
+          <a:xfrm>
+            <a:off x="16129206" y="23560441"/>
+            <a:ext cx="6082787" cy="3433881"/>
+            <a:chOff x="16129206" y="23560441"/>
+            <a:chExt cx="6082787" cy="3433881"/>
+          </a:xfrm>
+        </p:grpSpPr>
+        <p:pic>
+          <p:nvPicPr>
+            <p:cNvPr id="14" name="Grafik 13">
+              <a:extLst>
+                <a:ext uri="{FF2B5EF4-FFF2-40B4-BE49-F238E27FC236}">
+                  <a16:creationId xmlns:a16="http://schemas.microsoft.com/office/drawing/2014/main" id="{45BEFDD3-456F-39B9-01BB-66419BAB47FA}"/>
+                </a:ext>
+              </a:extLst>
+            </p:cNvPr>
+            <p:cNvPicPr>
+              <a:picLocks noChangeAspect="1"/>
+            </p:cNvPicPr>
+            <p:nvPr/>
+          </p:nvPicPr>
+          <p:blipFill>
+            <a:blip r:embed="rId11"/>
+            <a:srcRect t="3024" b="72355"/>
+            <a:stretch/>
+          </p:blipFill>
+          <p:spPr>
+            <a:xfrm>
+              <a:off x="16129206" y="24104729"/>
+              <a:ext cx="1867914" cy="1995437"/>
+            </a:xfrm>
+            <a:prstGeom prst="rect">
+              <a:avLst/>
+            </a:prstGeom>
+            <a:solidFill>
+              <a:srgbClr val="FFFFFF">
+                <a:shade val="85000"/>
+              </a:srgbClr>
+            </a:solidFill>
+            <a:ln w="88900" cap="sq">
+              <a:solidFill>
+                <a:srgbClr val="FFFFFF"/>
+              </a:solidFill>
+              <a:miter lim="800000"/>
+            </a:ln>
+            <a:effectLst>
+              <a:outerShdw blurRad="55000" dist="18000" dir="5400000" algn="tl" rotWithShape="0">
+                <a:srgbClr val="000000">
+                  <a:alpha val="40000"/>
+                </a:srgbClr>
+              </a:outerShdw>
+            </a:effectLst>
+            <a:scene3d>
+              <a:camera prst="orthographicFront"/>
+              <a:lightRig rig="twoPt" dir="t">
+                <a:rot lat="0" lon="0" rev="7200000"/>
+              </a:lightRig>
+            </a:scene3d>
+            <a:sp3d>
+              <a:bevelT w="25400" h="19050"/>
+              <a:contourClr>
+                <a:srgbClr val="FFFFFF"/>
+              </a:contourClr>
+            </a:sp3d>
+          </p:spPr>
+        </p:pic>
+        <p:pic>
+          <p:nvPicPr>
+            <p:cNvPr id="34" name="Grafik 33">
+              <a:extLst>
+                <a:ext uri="{FF2B5EF4-FFF2-40B4-BE49-F238E27FC236}">
+                  <a16:creationId xmlns:a16="http://schemas.microsoft.com/office/drawing/2014/main" id="{2868FA76-B80A-65CC-E109-B42D74A169BC}"/>
+                </a:ext>
+              </a:extLst>
+            </p:cNvPr>
+            <p:cNvPicPr>
+              <a:picLocks noChangeAspect="1"/>
+            </p:cNvPicPr>
+            <p:nvPr/>
+          </p:nvPicPr>
+          <p:blipFill>
+            <a:blip r:embed="rId11"/>
+            <a:srcRect t="70945" r="12127" b="4917"/>
+            <a:stretch/>
+          </p:blipFill>
+          <p:spPr>
+            <a:xfrm>
+              <a:off x="18282430" y="24104729"/>
+              <a:ext cx="1695914" cy="1979815"/>
+            </a:xfrm>
+            <a:prstGeom prst="rect">
+              <a:avLst/>
+            </a:prstGeom>
+            <a:solidFill>
+              <a:srgbClr val="FFFFFF">
+                <a:shade val="85000"/>
+              </a:srgbClr>
+            </a:solidFill>
+            <a:ln w="88900" cap="sq">
+              <a:solidFill>
+                <a:srgbClr val="FFFFFF"/>
+              </a:solidFill>
+              <a:miter lim="800000"/>
+            </a:ln>
+            <a:effectLst>
+              <a:outerShdw blurRad="55000" dist="18000" dir="5400000" algn="tl" rotWithShape="0">
+                <a:srgbClr val="000000">
+                  <a:alpha val="40000"/>
+                </a:srgbClr>
+              </a:outerShdw>
+            </a:effectLst>
+            <a:scene3d>
+              <a:camera prst="orthographicFront"/>
+              <a:lightRig rig="twoPt" dir="t">
+                <a:rot lat="0" lon="0" rev="7200000"/>
+              </a:lightRig>
+            </a:scene3d>
+            <a:sp3d>
+              <a:bevelT w="25400" h="19050"/>
+              <a:contourClr>
+                <a:srgbClr val="FFFFFF"/>
+              </a:contourClr>
+            </a:sp3d>
+          </p:spPr>
+        </p:pic>
+        <p:pic>
+          <p:nvPicPr>
+            <p:cNvPr id="36" name="Grafik 35">
+              <a:extLst>
+                <a:ext uri="{FF2B5EF4-FFF2-40B4-BE49-F238E27FC236}">
+                  <a16:creationId xmlns:a16="http://schemas.microsoft.com/office/drawing/2014/main" id="{1A6B2906-819B-47AD-502A-A2B27DCFE8BB}"/>
+                </a:ext>
+              </a:extLst>
+            </p:cNvPr>
+            <p:cNvPicPr>
+              <a:picLocks noChangeAspect="1"/>
+            </p:cNvPicPr>
+            <p:nvPr/>
+          </p:nvPicPr>
+          <p:blipFill>
+            <a:blip r:embed="rId11"/>
+            <a:srcRect t="36871" r="12127" b="38992"/>
+            <a:stretch/>
+          </p:blipFill>
+          <p:spPr>
+            <a:xfrm>
+              <a:off x="20435655" y="24108510"/>
+              <a:ext cx="1776338" cy="1976034"/>
+            </a:xfrm>
+            <a:prstGeom prst="rect">
+              <a:avLst/>
+            </a:prstGeom>
+            <a:solidFill>
+              <a:srgbClr val="FFFFFF">
+                <a:shade val="85000"/>
+              </a:srgbClr>
+            </a:solidFill>
+            <a:ln w="88900" cap="sq">
+              <a:solidFill>
+                <a:srgbClr val="FFFFFF"/>
+              </a:solidFill>
+              <a:miter lim="800000"/>
+            </a:ln>
+            <a:effectLst>
+              <a:outerShdw blurRad="55000" dist="18000" dir="5400000" algn="tl" rotWithShape="0">
+                <a:srgbClr val="000000">
+                  <a:alpha val="40000"/>
+                </a:srgbClr>
+              </a:outerShdw>
+            </a:effectLst>
+            <a:scene3d>
+              <a:camera prst="orthographicFront"/>
+              <a:lightRig rig="twoPt" dir="t">
+                <a:rot lat="0" lon="0" rev="7200000"/>
+              </a:lightRig>
+            </a:scene3d>
+            <a:sp3d>
+              <a:bevelT w="25400" h="19050"/>
+              <a:contourClr>
+                <a:srgbClr val="FFFFFF"/>
+              </a:contourClr>
+            </a:sp3d>
+          </p:spPr>
+        </p:pic>
+        <p:sp>
+          <p:nvSpPr>
+            <p:cNvPr id="45" name="Geschweifte Klammer rechts 44">
+              <a:extLst>
+                <a:ext uri="{FF2B5EF4-FFF2-40B4-BE49-F238E27FC236}">
+                  <a16:creationId xmlns:a16="http://schemas.microsoft.com/office/drawing/2014/main" id="{71BE5D94-1372-56D7-1BF5-85AE142B7B74}"/>
+                </a:ext>
+              </a:extLst>
+            </p:cNvPr>
+            <p:cNvSpPr/>
+            <p:nvPr/>
+          </p:nvSpPr>
+          <p:spPr>
+            <a:xfrm rot="16200000">
+              <a:off x="17887060" y="22672712"/>
+              <a:ext cx="304801" cy="2080260"/>
+            </a:xfrm>
+            <a:prstGeom prst="rightBrace">
+              <a:avLst/>
+            </a:prstGeom>
+          </p:spPr>
+          <p:style>
+            <a:lnRef idx="1">
+              <a:schemeClr val="accent1"/>
+            </a:lnRef>
+            <a:fillRef idx="0">
+              <a:schemeClr val="accent1"/>
+            </a:fillRef>
+            <a:effectRef idx="0">
+              <a:schemeClr val="accent1"/>
+            </a:effectRef>
+            <a:fontRef idx="minor">
+              <a:schemeClr val="tx1"/>
+            </a:fontRef>
+          </p:style>
+          <p:txBody>
+            <a:bodyPr rtlCol="0" anchor="ctr"/>
+            <a:lstStyle/>
+            <a:p>
+              <a:pPr algn="ctr"/>
+              <a:endParaRPr lang="de-DE"/>
+            </a:p>
+          </p:txBody>
+        </p:sp>
+        <p:sp>
+          <p:nvSpPr>
+            <p:cNvPr id="47" name="Geschweifte Klammer rechts 46">
+              <a:extLst>
+                <a:ext uri="{FF2B5EF4-FFF2-40B4-BE49-F238E27FC236}">
+                  <a16:creationId xmlns:a16="http://schemas.microsoft.com/office/drawing/2014/main" id="{5D6B5C1E-149E-FDFE-A358-E0222B5F62D6}"/>
+                </a:ext>
+              </a:extLst>
+            </p:cNvPr>
+            <p:cNvSpPr/>
+            <p:nvPr/>
+          </p:nvSpPr>
+          <p:spPr>
+            <a:xfrm rot="5400000">
+              <a:off x="18930748" y="24403855"/>
+              <a:ext cx="440950" cy="4739984"/>
+            </a:xfrm>
+            <a:prstGeom prst="rightBrace">
+              <a:avLst/>
+            </a:prstGeom>
+          </p:spPr>
+          <p:style>
+            <a:lnRef idx="1">
+              <a:schemeClr val="accent1"/>
+            </a:lnRef>
+            <a:fillRef idx="0">
+              <a:schemeClr val="accent1"/>
+            </a:fillRef>
+            <a:effectRef idx="0">
+              <a:schemeClr val="accent1"/>
+            </a:effectRef>
+            <a:fontRef idx="minor">
+              <a:schemeClr val="tx1"/>
+            </a:fontRef>
+          </p:style>
+          <p:txBody>
+            <a:bodyPr rtlCol="0" anchor="ctr"/>
+            <a:lstStyle/>
+            <a:p>
+              <a:pPr algn="ctr"/>
+              <a:endParaRPr lang="de-DE" dirty="0"/>
+            </a:p>
+          </p:txBody>
+        </p:sp>
+        <p:sp>
+          <p:nvSpPr>
+            <p:cNvPr id="52" name="Geschweifte Klammer rechts 51">
+              <a:extLst>
+                <a:ext uri="{FF2B5EF4-FFF2-40B4-BE49-F238E27FC236}">
+                  <a16:creationId xmlns:a16="http://schemas.microsoft.com/office/drawing/2014/main" id="{D7EC142D-F30D-1213-02DE-CC1B12FC029B}"/>
+                </a:ext>
+              </a:extLst>
+            </p:cNvPr>
+            <p:cNvSpPr/>
+            <p:nvPr/>
+          </p:nvSpPr>
+          <p:spPr>
+            <a:xfrm rot="5400000">
+              <a:off x="17954128" y="25324360"/>
+              <a:ext cx="346041" cy="2340318"/>
+            </a:xfrm>
+            <a:prstGeom prst="rightBrace">
+              <a:avLst/>
+            </a:prstGeom>
+          </p:spPr>
+          <p:style>
+            <a:lnRef idx="1">
+              <a:schemeClr val="accent1"/>
+            </a:lnRef>
+            <a:fillRef idx="0">
+              <a:schemeClr val="accent1"/>
+            </a:fillRef>
+            <a:effectRef idx="0">
+              <a:schemeClr val="accent1"/>
+            </a:effectRef>
+            <a:fontRef idx="minor">
+              <a:schemeClr val="tx1"/>
+            </a:fontRef>
+          </p:style>
+          <p:txBody>
+            <a:bodyPr rtlCol="0" anchor="ctr"/>
+            <a:lstStyle/>
+            <a:p>
+              <a:pPr algn="ctr"/>
+              <a:endParaRPr lang="de-DE"/>
+            </a:p>
+          </p:txBody>
+        </p:sp>
+      </p:grpSp>
+      <p:grpSp>
+        <p:nvGrpSpPr>
+          <p:cNvPr id="3" name="Gruppieren 2">
+            <a:extLst>
+              <a:ext uri="{FF2B5EF4-FFF2-40B4-BE49-F238E27FC236}">
+                <a16:creationId xmlns:a16="http://schemas.microsoft.com/office/drawing/2014/main" id="{EBA71D6D-EAA2-853D-408A-65E2B19DC310}"/>
+              </a:ext>
+            </a:extLst>
+          </p:cNvPr>
+          <p:cNvGrpSpPr/>
+          <p:nvPr/>
+        </p:nvGrpSpPr>
+        <p:grpSpPr>
+          <a:xfrm>
+            <a:off x="1156862" y="23343387"/>
+            <a:ext cx="13251041" cy="6650943"/>
+            <a:chOff x="1871408" y="23696209"/>
+            <a:chExt cx="11901741" cy="5867179"/>
+          </a:xfrm>
+        </p:grpSpPr>
+        <p:pic>
+          <p:nvPicPr>
+            <p:cNvPr id="49" name="Grafik 48" descr="Ein Bild, das Farbigkeit, Screenshot, Rechteck, Reihe enthält.&#10;&#10;Automatisch generierte Beschreibung">
+              <a:extLst>
+                <a:ext uri="{FF2B5EF4-FFF2-40B4-BE49-F238E27FC236}">
+                  <a16:creationId xmlns:a16="http://schemas.microsoft.com/office/drawing/2014/main" id="{3890B0D4-ABD5-B4B7-EDC3-B297650B0ED0}"/>
+                </a:ext>
+              </a:extLst>
+            </p:cNvPr>
+            <p:cNvPicPr>
+              <a:picLocks noChangeAspect="1"/>
+            </p:cNvPicPr>
+            <p:nvPr/>
+          </p:nvPicPr>
+          <p:blipFill>
+            <a:blip r:embed="rId12">
+              <a:extLst>
+                <a:ext uri="{28A0092B-C50C-407E-A947-70E740481C1C}">
+                  <a14:useLocalDpi xmlns:a14="http://schemas.microsoft.com/office/drawing/2010/main" val="0"/>
+                </a:ext>
+              </a:extLst>
+            </a:blip>
+            <a:srcRect t="10022"/>
+            <a:stretch/>
+          </p:blipFill>
+          <p:spPr>
+            <a:xfrm>
+              <a:off x="1871408" y="25120098"/>
+              <a:ext cx="11901741" cy="4015872"/>
+            </a:xfrm>
+            <a:prstGeom prst="rect">
+              <a:avLst/>
+            </a:prstGeom>
+          </p:spPr>
+        </p:pic>
         <p:grpSp>
           <p:nvGrpSpPr>
-            <p:cNvPr id="1361" name="Group 1360">
+            <p:cNvPr id="1363" name="Gruppieren 1362">
               <a:extLst>
                 <a:ext uri="{FF2B5EF4-FFF2-40B4-BE49-F238E27FC236}">
-                  <a16:creationId xmlns:a16="http://schemas.microsoft.com/office/drawing/2014/main" id="{23E846E8-301E-8179-927C-2F17FFE068E8}"/>
+                  <a16:creationId xmlns:a16="http://schemas.microsoft.com/office/drawing/2014/main" id="{9EAFE07D-AB0A-AC6A-C716-552FFC699141}"/>
                 </a:ext>
               </a:extLst>
             </p:cNvPr>
@@ -6506,18 +6596,18 @@
           </p:nvGrpSpPr>
           <p:grpSpPr>
             <a:xfrm>
-              <a:off x="1612282" y="23669530"/>
-              <a:ext cx="13301969" cy="3722806"/>
-              <a:chOff x="1612282" y="23634360"/>
-              <a:chExt cx="13301969" cy="3722806"/>
+              <a:off x="9007426" y="29033083"/>
+              <a:ext cx="3618897" cy="530305"/>
+              <a:chOff x="9536572" y="23574424"/>
+              <a:chExt cx="3025065" cy="530305"/>
             </a:xfrm>
           </p:grpSpPr>
           <p:pic>
             <p:nvPicPr>
-              <p:cNvPr id="1372" name="Picture 1371">
+              <p:cNvPr id="57" name="Grafik 56" descr="Lautsprecher stummschalten mit einfarbiger Füllung">
                 <a:extLst>
                   <a:ext uri="{FF2B5EF4-FFF2-40B4-BE49-F238E27FC236}">
-                    <a16:creationId xmlns:a16="http://schemas.microsoft.com/office/drawing/2014/main" id="{5052FD27-12C7-8922-BC14-7DC75E75249B}"/>
+                    <a16:creationId xmlns:a16="http://schemas.microsoft.com/office/drawing/2014/main" id="{D67E93E7-D995-E49C-348D-80700DCF7537}"/>
                   </a:ext>
                 </a:extLst>
               </p:cNvPr>
@@ -6527,76 +6617,33 @@
               <p:nvPr/>
             </p:nvPicPr>
             <p:blipFill>
-              <a:blip r:embed="rId9">
+              <a:blip r:embed="rId13">
                 <a:extLst>
-                  <a:ext uri="{28A0092B-C50C-407E-A947-70E740481C1C}">
-                    <a14:useLocalDpi xmlns:a14="http://schemas.microsoft.com/office/drawing/2010/main" val="0"/>
+                  <a:ext uri="{96DAC541-7B7A-43D3-8B79-37D633B846F1}">
+                    <asvg:svgBlip xmlns:asvg="http://schemas.microsoft.com/office/drawing/2016/SVG/main" r:embed="rId14"/>
                   </a:ext>
                 </a:extLst>
               </a:blip>
-              <a:srcRect l="11835" t="6840" r="8084" b="9359"/>
-              <a:stretch/>
+              <a:stretch>
+                <a:fillRect/>
+              </a:stretch>
             </p:blipFill>
             <p:spPr>
               <a:xfrm>
-                <a:off x="9035401" y="23934172"/>
-                <a:ext cx="5750029" cy="3422994"/>
+                <a:off x="12031332" y="23574424"/>
+                <a:ext cx="530305" cy="530305"/>
               </a:xfrm>
               <a:prstGeom prst="rect">
                 <a:avLst/>
               </a:prstGeom>
             </p:spPr>
           </p:pic>
-          <p:sp>
-            <p:nvSpPr>
-              <p:cNvPr id="1356" name="TextBox 1355">
+          <p:pic>
+            <p:nvPicPr>
+              <p:cNvPr id="59" name="Grafik 58" descr="Volumen mit einfarbiger Füllung">
                 <a:extLst>
                   <a:ext uri="{FF2B5EF4-FFF2-40B4-BE49-F238E27FC236}">
-                    <a16:creationId xmlns:a16="http://schemas.microsoft.com/office/drawing/2014/main" id="{6E0F1669-1ED6-14DB-FEE3-972A64C53178}"/>
-                  </a:ext>
-                </a:extLst>
-              </p:cNvPr>
-              <p:cNvSpPr txBox="1"/>
-              <p:nvPr/>
-            </p:nvSpPr>
-            <p:spPr>
-              <a:xfrm>
-                <a:off x="8906580" y="23634360"/>
-                <a:ext cx="6007671" cy="369332"/>
-              </a:xfrm>
-              <a:prstGeom prst="rect">
-                <a:avLst/>
-              </a:prstGeom>
-              <a:noFill/>
-            </p:spPr>
-            <p:txBody>
-              <a:bodyPr wrap="none" rtlCol="0">
-                <a:spAutoFit/>
-              </a:bodyPr>
-              <a:lstStyle/>
-              <a:p>
-                <a:pPr algn="ctr"/>
-                <a:r>
-                  <a:rPr lang="en-US" dirty="0"/>
-                  <a:t>Field of view under 1mm prism grin lens with </a:t>
-                </a:r>
-                <a:r>
-                  <a:rPr lang="en-US" dirty="0">
-                    <a:solidFill>
-                      <a:srgbClr val="FF5007"/>
-                    </a:solidFill>
-                  </a:rPr>
-                  <a:t>verified neurons</a:t>
-                </a:r>
-              </a:p>
-            </p:txBody>
-          </p:sp>
-          <p:pic>
-            <p:nvPicPr>
-              <p:cNvPr id="24" name="Picture 23">
-                <a:extLst>
-                  <a:ext uri="{FF2B5EF4-FFF2-40B4-BE49-F238E27FC236}">
-                    <a16:creationId xmlns:a16="http://schemas.microsoft.com/office/drawing/2014/main" id="{03C1F36C-6434-D311-68B3-D909470642F4}"/>
+                    <a16:creationId xmlns:a16="http://schemas.microsoft.com/office/drawing/2014/main" id="{2B3097AC-0F33-1E59-C2ED-25AE32E34B86}"/>
                   </a:ext>
                 </a:extLst>
               </p:cNvPr>
@@ -6606,94 +6653,116 @@
               <p:nvPr/>
             </p:nvPicPr>
             <p:blipFill>
-              <a:blip r:embed="rId10">
+              <a:blip r:embed="rId15">
                 <a:extLst>
-                  <a:ext uri="{28A0092B-C50C-407E-A947-70E740481C1C}">
-                    <a14:useLocalDpi xmlns:a14="http://schemas.microsoft.com/office/drawing/2010/main" val="0"/>
+                  <a:ext uri="{96DAC541-7B7A-43D3-8B79-37D633B846F1}">
+                    <asvg:svgBlip xmlns:asvg="http://schemas.microsoft.com/office/drawing/2016/SVG/main" r:embed="rId16"/>
                   </a:ext>
                 </a:extLst>
               </a:blip>
-              <a:srcRect l="7211" r="5945"/>
-              <a:stretch/>
+              <a:stretch>
+                <a:fillRect/>
+              </a:stretch>
             </p:blipFill>
             <p:spPr>
               <a:xfrm>
-                <a:off x="2017063" y="23935496"/>
-                <a:ext cx="6325916" cy="3421669"/>
+                <a:off x="9536572" y="23574424"/>
+                <a:ext cx="530305" cy="530305"/>
               </a:xfrm>
               <a:prstGeom prst="rect">
                 <a:avLst/>
               </a:prstGeom>
             </p:spPr>
           </p:pic>
-          <p:sp>
-            <p:nvSpPr>
-              <p:cNvPr id="1358" name="TextBox 1357">
+          <p:cxnSp>
+            <p:nvCxnSpPr>
+              <p:cNvPr id="63" name="Gerade Verbindung mit Pfeil 62">
                 <a:extLst>
                   <a:ext uri="{FF2B5EF4-FFF2-40B4-BE49-F238E27FC236}">
-                    <a16:creationId xmlns:a16="http://schemas.microsoft.com/office/drawing/2014/main" id="{3F3D3F54-B2A6-2230-D484-A478252E1338}"/>
+                    <a16:creationId xmlns:a16="http://schemas.microsoft.com/office/drawing/2014/main" id="{99E100B3-43C6-4A4B-260C-D49CDEF0A2F4}"/>
                   </a:ext>
                 </a:extLst>
               </p:cNvPr>
-              <p:cNvSpPr txBox="1"/>
+              <p:cNvCxnSpPr>
+                <a:cxnSpLocks/>
+              </p:cNvCxnSpPr>
               <p:nvPr/>
-            </p:nvSpPr>
+            </p:nvCxnSpPr>
+            <p:spPr>
+              <a:xfrm flipV="1">
+                <a:off x="10087566" y="23804524"/>
+                <a:ext cx="1790109" cy="16002"/>
+              </a:xfrm>
+              <a:prstGeom prst="straightConnector1">
+                <a:avLst/>
+              </a:prstGeom>
+              <a:ln w="57150">
+                <a:tailEnd type="triangle"/>
+              </a:ln>
+            </p:spPr>
+            <p:style>
+              <a:lnRef idx="1">
+                <a:schemeClr val="dk1"/>
+              </a:lnRef>
+              <a:fillRef idx="0">
+                <a:schemeClr val="dk1"/>
+              </a:fillRef>
+              <a:effectRef idx="0">
+                <a:schemeClr val="dk1"/>
+              </a:effectRef>
+              <a:fontRef idx="minor">
+                <a:schemeClr val="tx1"/>
+              </a:fontRef>
+            </p:style>
+          </p:cxnSp>
+          <p:cxnSp>
+            <p:nvCxnSpPr>
+              <p:cNvPr id="1354" name="Gerader Verbinder 1353">
+                <a:extLst>
+                  <a:ext uri="{FF2B5EF4-FFF2-40B4-BE49-F238E27FC236}">
+                    <a16:creationId xmlns:a16="http://schemas.microsoft.com/office/drawing/2014/main" id="{A6EF6404-7149-8C08-3311-7BCC8E305B05}"/>
+                  </a:ext>
+                </a:extLst>
+              </p:cNvPr>
+              <p:cNvCxnSpPr/>
+              <p:nvPr/>
+            </p:nvCxnSpPr>
             <p:spPr>
               <a:xfrm>
-                <a:off x="1612282" y="23634360"/>
-                <a:ext cx="7135478" cy="369332"/>
+                <a:off x="10088157" y="23804524"/>
+                <a:ext cx="0" cy="300205"/>
               </a:xfrm>
-              <a:prstGeom prst="rect">
+              <a:prstGeom prst="line">
                 <a:avLst/>
               </a:prstGeom>
-              <a:noFill/>
+              <a:ln w="57150">
+                <a:solidFill>
+                  <a:schemeClr val="tx1"/>
+                </a:solidFill>
+              </a:ln>
             </p:spPr>
-            <p:txBody>
-              <a:bodyPr wrap="none" rtlCol="0">
-                <a:spAutoFit/>
-              </a:bodyPr>
-              <a:lstStyle/>
-              <a:p>
-                <a:pPr algn="ctr"/>
-                <a:r>
-                  <a:rPr lang="en-US" dirty="0"/>
-                  <a:t>Manually verified ROI based on shape and </a:t>
-                </a:r>
-                <a:r>
-                  <a:rPr lang="de-DE" sz="1800" dirty="0">
-                    <a:effectLst/>
-                    <a:latin typeface="Calibri" panose="020F0502020204030204" pitchFamily="34" charset="0"/>
-                    <a:ea typeface="Times New Roman" panose="02020603050405020304" pitchFamily="18" charset="0"/>
-                  </a:rPr>
-                  <a:t>changes in Ca</a:t>
-                </a:r>
-                <a:r>
-                  <a:rPr lang="de-DE" sz="1800" baseline="30000" dirty="0">
-                    <a:effectLst/>
-                    <a:latin typeface="Calibri" panose="020F0502020204030204" pitchFamily="34" charset="0"/>
-                    <a:ea typeface="Times New Roman" panose="02020603050405020304" pitchFamily="18" charset="0"/>
-                  </a:rPr>
-                  <a:t>2+</a:t>
-                </a:r>
-                <a:r>
-                  <a:rPr lang="de-DE" sz="1800" dirty="0">
-                    <a:effectLst/>
-                    <a:latin typeface="Calibri" panose="020F0502020204030204" pitchFamily="34" charset="0"/>
-                    <a:ea typeface="Times New Roman" panose="02020603050405020304" pitchFamily="18" charset="0"/>
-                  </a:rPr>
-                  <a:t> fluorescence</a:t>
-                </a:r>
-                <a:endParaRPr lang="en-US" dirty="0"/>
-              </a:p>
-            </p:txBody>
-          </p:sp>
+            <p:style>
+              <a:lnRef idx="1">
+                <a:schemeClr val="accent1"/>
+              </a:lnRef>
+              <a:fillRef idx="0">
+                <a:schemeClr val="accent1"/>
+              </a:fillRef>
+              <a:effectRef idx="0">
+                <a:schemeClr val="accent1"/>
+              </a:effectRef>
+              <a:fontRef idx="minor">
+                <a:schemeClr val="tx1"/>
+              </a:fontRef>
+            </p:style>
+          </p:cxnSp>
         </p:grpSp>
         <p:grpSp>
           <p:nvGrpSpPr>
-            <p:cNvPr id="2240" name="Group 2239">
+            <p:cNvPr id="1362" name="Gruppieren 1361">
               <a:extLst>
                 <a:ext uri="{FF2B5EF4-FFF2-40B4-BE49-F238E27FC236}">
-                  <a16:creationId xmlns:a16="http://schemas.microsoft.com/office/drawing/2014/main" id="{28CB45AB-50E8-27A4-9B2C-8670BB02CBB3}"/>
+                  <a16:creationId xmlns:a16="http://schemas.microsoft.com/office/drawing/2014/main" id="{194E7E0B-DA53-FA8E-FD71-82730D54DC74}"/>
                 </a:ext>
               </a:extLst>
             </p:cNvPr>
@@ -6702,18 +6771,18 @@
           </p:nvGrpSpPr>
           <p:grpSpPr>
             <a:xfrm>
-              <a:off x="7039349" y="34192081"/>
-              <a:ext cx="7711247" cy="1588497"/>
-              <a:chOff x="7279968" y="33580916"/>
-              <a:chExt cx="7711247" cy="1588497"/>
+              <a:off x="10284263" y="23696209"/>
+              <a:ext cx="1336078" cy="1598808"/>
+              <a:chOff x="10485686" y="23804524"/>
+              <a:chExt cx="1208341" cy="1319230"/>
             </a:xfrm>
           </p:grpSpPr>
           <p:pic>
             <p:nvPicPr>
-              <p:cNvPr id="21" name="Picture 20">
+              <p:cNvPr id="1351" name="Grafik 1350" descr="Gedankenblase Silhouette">
                 <a:extLst>
                   <a:ext uri="{FF2B5EF4-FFF2-40B4-BE49-F238E27FC236}">
-                    <a16:creationId xmlns:a16="http://schemas.microsoft.com/office/drawing/2014/main" id="{1CC67E8B-AD2A-906A-F18F-84B572DF98D7}"/>
+                    <a16:creationId xmlns:a16="http://schemas.microsoft.com/office/drawing/2014/main" id="{23C1FBBD-1E7C-FB68-4614-DBB583ED7161}"/>
                   </a:ext>
                 </a:extLst>
               </p:cNvPr>
@@ -6723,20 +6792,21 @@
               <p:nvPr/>
             </p:nvPicPr>
             <p:blipFill>
-              <a:blip r:embed="rId11">
+              <a:blip r:embed="rId17">
                 <a:extLst>
-                  <a:ext uri="{28A0092B-C50C-407E-A947-70E740481C1C}">
-                    <a14:useLocalDpi xmlns:a14="http://schemas.microsoft.com/office/drawing/2010/main" val="0"/>
+                  <a:ext uri="{96DAC541-7B7A-43D3-8B79-37D633B846F1}">
+                    <asvg:svgBlip xmlns:asvg="http://schemas.microsoft.com/office/drawing/2016/SVG/main" r:embed="rId18"/>
                   </a:ext>
                 </a:extLst>
               </a:blip>
-              <a:srcRect l="4719" t="31953" r="7527" b="47163"/>
-              <a:stretch/>
+              <a:stretch>
+                <a:fillRect/>
+              </a:stretch>
             </p:blipFill>
             <p:spPr>
               <a:xfrm>
-                <a:off x="7437537" y="33580916"/>
-                <a:ext cx="7553678" cy="1271054"/>
+                <a:off x="10485686" y="23804524"/>
+                <a:ext cx="1208341" cy="1319230"/>
               </a:xfrm>
               <a:prstGeom prst="rect">
                 <a:avLst/>
@@ -6745,563 +6815,61 @@
           </p:pic>
           <p:sp>
             <p:nvSpPr>
-              <p:cNvPr id="1364" name="TextBox 1363">
+              <p:cNvPr id="1360" name="Gewitterblitz 1359">
                 <a:extLst>
                   <a:ext uri="{FF2B5EF4-FFF2-40B4-BE49-F238E27FC236}">
-                    <a16:creationId xmlns:a16="http://schemas.microsoft.com/office/drawing/2014/main" id="{47922318-6E4D-3E68-7D27-8A11B3138642}"/>
+                    <a16:creationId xmlns:a16="http://schemas.microsoft.com/office/drawing/2014/main" id="{AB223A08-8A99-EC0E-03A7-9949599351CD}"/>
                   </a:ext>
                 </a:extLst>
               </p:cNvPr>
-              <p:cNvSpPr txBox="1"/>
+              <p:cNvSpPr/>
               <p:nvPr/>
             </p:nvSpPr>
             <p:spPr>
-              <a:xfrm>
-                <a:off x="7279968" y="34775024"/>
-                <a:ext cx="1298304" cy="276999"/>
+              <a:xfrm rot="3090432">
+                <a:off x="10894262" y="24121949"/>
+                <a:ext cx="406964" cy="388892"/>
               </a:xfrm>
-              <a:prstGeom prst="rect">
+              <a:prstGeom prst="lightningBolt">
                 <a:avLst/>
               </a:prstGeom>
-              <a:noFill/>
+              <a:solidFill>
+                <a:srgbClr val="FFFF00"/>
+              </a:solidFill>
             </p:spPr>
+            <p:style>
+              <a:lnRef idx="2">
+                <a:schemeClr val="accent1">
+                  <a:shade val="15000"/>
+                </a:schemeClr>
+              </a:lnRef>
+              <a:fillRef idx="1">
+                <a:schemeClr val="accent1"/>
+              </a:fillRef>
+              <a:effectRef idx="0">
+                <a:schemeClr val="accent1"/>
+              </a:effectRef>
+              <a:fontRef idx="minor">
+                <a:schemeClr val="lt1"/>
+              </a:fontRef>
+            </p:style>
             <p:txBody>
-              <a:bodyPr wrap="none" rtlCol="0">
-                <a:spAutoFit/>
-              </a:bodyPr>
+              <a:bodyPr rtlCol="0" anchor="ctr"/>
               <a:lstStyle/>
               <a:p>
                 <a:pPr algn="ctr"/>
-                <a:r>
-                  <a:rPr lang="en-US" sz="1200" dirty="0"/>
-                  <a:t>Bregma +2.46mm</a:t>
-                </a:r>
-              </a:p>
-            </p:txBody>
-          </p:sp>
-          <p:sp>
-            <p:nvSpPr>
-              <p:cNvPr id="1365" name="TextBox 1364">
-                <a:extLst>
-                  <a:ext uri="{FF2B5EF4-FFF2-40B4-BE49-F238E27FC236}">
-                    <a16:creationId xmlns:a16="http://schemas.microsoft.com/office/drawing/2014/main" id="{51B8E1B3-063F-BBB3-97F1-E80BEE4BC2BC}"/>
-                  </a:ext>
-                </a:extLst>
-              </p:cNvPr>
-              <p:cNvSpPr txBox="1"/>
-              <p:nvPr/>
-            </p:nvSpPr>
-            <p:spPr>
-              <a:xfrm>
-                <a:off x="9272484" y="34775024"/>
-                <a:ext cx="782586" cy="276999"/>
-              </a:xfrm>
-              <a:prstGeom prst="rect">
-                <a:avLst/>
-              </a:prstGeom>
-              <a:noFill/>
-            </p:spPr>
-            <p:txBody>
-              <a:bodyPr wrap="none" rtlCol="0">
-                <a:spAutoFit/>
-              </a:bodyPr>
-              <a:lstStyle/>
-              <a:p>
-                <a:pPr algn="ctr"/>
-                <a:r>
-                  <a:rPr lang="en-US" sz="1200" dirty="0"/>
-                  <a:t>+2.22mm</a:t>
-                </a:r>
-              </a:p>
-            </p:txBody>
-          </p:sp>
-          <p:sp>
-            <p:nvSpPr>
-              <p:cNvPr id="1367" name="TextBox 1366">
-                <a:extLst>
-                  <a:ext uri="{FF2B5EF4-FFF2-40B4-BE49-F238E27FC236}">
-                    <a16:creationId xmlns:a16="http://schemas.microsoft.com/office/drawing/2014/main" id="{09A74BFA-878B-FA47-213B-1E93E87FC5E4}"/>
-                  </a:ext>
-                </a:extLst>
-              </p:cNvPr>
-              <p:cNvSpPr txBox="1"/>
-              <p:nvPr/>
-            </p:nvSpPr>
-            <p:spPr>
-              <a:xfrm>
-                <a:off x="10776784" y="34775024"/>
-                <a:ext cx="782586" cy="276999"/>
-              </a:xfrm>
-              <a:prstGeom prst="rect">
-                <a:avLst/>
-              </a:prstGeom>
-              <a:noFill/>
-            </p:spPr>
-            <p:txBody>
-              <a:bodyPr wrap="none" rtlCol="0">
-                <a:spAutoFit/>
-              </a:bodyPr>
-              <a:lstStyle/>
-              <a:p>
-                <a:pPr algn="ctr"/>
-                <a:r>
-                  <a:rPr lang="en-US" sz="1200" dirty="0"/>
-                  <a:t>+1.98mm</a:t>
-                </a:r>
-              </a:p>
-            </p:txBody>
-          </p:sp>
-          <p:sp>
-            <p:nvSpPr>
-              <p:cNvPr id="1368" name="TextBox 1367">
-                <a:extLst>
-                  <a:ext uri="{FF2B5EF4-FFF2-40B4-BE49-F238E27FC236}">
-                    <a16:creationId xmlns:a16="http://schemas.microsoft.com/office/drawing/2014/main" id="{C87FDC36-9A75-060F-6E9F-4D0AB855FF18}"/>
-                  </a:ext>
-                </a:extLst>
-              </p:cNvPr>
-              <p:cNvSpPr txBox="1"/>
-              <p:nvPr/>
-            </p:nvSpPr>
-            <p:spPr>
-              <a:xfrm>
-                <a:off x="12250604" y="34775024"/>
-                <a:ext cx="782586" cy="276999"/>
-              </a:xfrm>
-              <a:prstGeom prst="rect">
-                <a:avLst/>
-              </a:prstGeom>
-              <a:noFill/>
-            </p:spPr>
-            <p:txBody>
-              <a:bodyPr wrap="none" rtlCol="0">
-                <a:spAutoFit/>
-              </a:bodyPr>
-              <a:lstStyle/>
-              <a:p>
-                <a:pPr algn="ctr"/>
-                <a:r>
-                  <a:rPr lang="en-US" sz="1200" dirty="0"/>
-                  <a:t>+1.78mm</a:t>
-                </a:r>
-              </a:p>
-            </p:txBody>
-          </p:sp>
-          <p:sp>
-            <p:nvSpPr>
-              <p:cNvPr id="1369" name="TextBox 1368">
-                <a:extLst>
-                  <a:ext uri="{FF2B5EF4-FFF2-40B4-BE49-F238E27FC236}">
-                    <a16:creationId xmlns:a16="http://schemas.microsoft.com/office/drawing/2014/main" id="{E638D234-BD86-E15D-777A-84B3E1C7DC20}"/>
-                  </a:ext>
-                </a:extLst>
-              </p:cNvPr>
-              <p:cNvSpPr txBox="1"/>
-              <p:nvPr/>
-            </p:nvSpPr>
-            <p:spPr>
-              <a:xfrm>
-                <a:off x="13753935" y="34775024"/>
-                <a:ext cx="782586" cy="276999"/>
-              </a:xfrm>
-              <a:prstGeom prst="rect">
-                <a:avLst/>
-              </a:prstGeom>
-              <a:noFill/>
-            </p:spPr>
-            <p:txBody>
-              <a:bodyPr wrap="none" rtlCol="0">
-                <a:spAutoFit/>
-              </a:bodyPr>
-              <a:lstStyle/>
-              <a:p>
-                <a:pPr algn="ctr"/>
-                <a:r>
-                  <a:rPr lang="en-US" sz="1200" dirty="0"/>
-                  <a:t>+1.54mm</a:t>
-                </a:r>
-              </a:p>
-            </p:txBody>
-          </p:sp>
-          <p:sp>
-            <p:nvSpPr>
-              <p:cNvPr id="1371" name="TextBox 1370">
-                <a:extLst>
-                  <a:ext uri="{FF2B5EF4-FFF2-40B4-BE49-F238E27FC236}">
-                    <a16:creationId xmlns:a16="http://schemas.microsoft.com/office/drawing/2014/main" id="{902EEC85-0D2A-A518-FB92-9C72F27F84F4}"/>
-                  </a:ext>
-                </a:extLst>
-              </p:cNvPr>
-              <p:cNvSpPr txBox="1"/>
-              <p:nvPr/>
-            </p:nvSpPr>
-            <p:spPr>
-              <a:xfrm>
-                <a:off x="13767660" y="34892414"/>
-                <a:ext cx="755142" cy="276999"/>
-              </a:xfrm>
-              <a:prstGeom prst="rect">
-                <a:avLst/>
-              </a:prstGeom>
-              <a:noFill/>
-            </p:spPr>
-            <p:txBody>
-              <a:bodyPr wrap="none" rtlCol="0">
-                <a:spAutoFit/>
-              </a:bodyPr>
-              <a:lstStyle/>
-              <a:p>
-                <a:pPr algn="ctr"/>
-                <a:r>
-                  <a:rPr lang="en-US" sz="1200" dirty="0"/>
-                  <a:t>posterior</a:t>
-                </a:r>
-              </a:p>
-            </p:txBody>
-          </p:sp>
-          <p:sp>
-            <p:nvSpPr>
-              <p:cNvPr id="1373" name="TextBox 1372">
-                <a:extLst>
-                  <a:ext uri="{FF2B5EF4-FFF2-40B4-BE49-F238E27FC236}">
-                    <a16:creationId xmlns:a16="http://schemas.microsoft.com/office/drawing/2014/main" id="{8AB28BE0-3766-D5E9-3FCD-1268AAB1AAE7}"/>
-                  </a:ext>
-                </a:extLst>
-              </p:cNvPr>
-              <p:cNvSpPr txBox="1"/>
-              <p:nvPr/>
-            </p:nvSpPr>
-            <p:spPr>
-              <a:xfrm>
-                <a:off x="7865253" y="34892414"/>
-                <a:ext cx="686535" cy="276999"/>
-              </a:xfrm>
-              <a:prstGeom prst="rect">
-                <a:avLst/>
-              </a:prstGeom>
-              <a:noFill/>
-            </p:spPr>
-            <p:txBody>
-              <a:bodyPr wrap="none" rtlCol="0">
-                <a:spAutoFit/>
-              </a:bodyPr>
-              <a:lstStyle/>
-              <a:p>
-                <a:pPr algn="ctr"/>
-                <a:r>
-                  <a:rPr lang="en-US" sz="1200" dirty="0"/>
-                  <a:t>anterior</a:t>
-                </a:r>
+                <a:endParaRPr lang="de-DE" dirty="0"/>
               </a:p>
             </p:txBody>
           </p:sp>
         </p:grpSp>
-        <p:sp>
-          <p:nvSpPr>
-            <p:cNvPr id="1375" name="TextBox 1374">
-              <a:extLst>
-                <a:ext uri="{FF2B5EF4-FFF2-40B4-BE49-F238E27FC236}">
-                  <a16:creationId xmlns:a16="http://schemas.microsoft.com/office/drawing/2014/main" id="{0D22C53F-BF10-D785-43B1-862D8992B11E}"/>
-                </a:ext>
-              </a:extLst>
-            </p:cNvPr>
-            <p:cNvSpPr txBox="1"/>
-            <p:nvPr/>
-          </p:nvSpPr>
-          <p:spPr>
-            <a:xfrm>
-              <a:off x="6672855" y="33870493"/>
-              <a:ext cx="8444235" cy="369332"/>
-            </a:xfrm>
-            <a:prstGeom prst="rect">
-              <a:avLst/>
-            </a:prstGeom>
-            <a:noFill/>
-          </p:spPr>
-          <p:txBody>
-            <a:bodyPr wrap="none" rtlCol="0">
-              <a:spAutoFit/>
-            </a:bodyPr>
-            <a:lstStyle/>
-            <a:p>
-              <a:r>
-                <a:rPr lang="en-US" dirty="0"/>
-                <a:t>Black dots mark lens location of n=16 operated animals in prelimbic cortex (PL) of mPFC </a:t>
-              </a:r>
-            </a:p>
-          </p:txBody>
-        </p:sp>
       </p:grpSp>
-      <p:pic>
-        <p:nvPicPr>
-          <p:cNvPr id="8" name="Grafik 7" descr="Ein Bild, das Vogel enthält.&#10;&#10;Automatisch generierte Beschreibung mit mittlerer Zuverlässigkeit">
+      <p:sp>
+        <p:nvSpPr>
+          <p:cNvPr id="5" name="Textfeld 4">
             <a:extLst>
               <a:ext uri="{FF2B5EF4-FFF2-40B4-BE49-F238E27FC236}">
-                <a16:creationId xmlns:a16="http://schemas.microsoft.com/office/drawing/2014/main" id="{DD8D55F2-3529-ADFB-25D4-AA9781C24175}"/>
-              </a:ext>
-            </a:extLst>
-          </p:cNvPr>
-          <p:cNvPicPr>
-            <a:picLocks noChangeAspect="1"/>
-          </p:cNvPicPr>
-          <p:nvPr/>
-        </p:nvPicPr>
-        <p:blipFill>
-          <a:blip r:embed="rId12">
-            <a:extLst>
-              <a:ext uri="{28A0092B-C50C-407E-A947-70E740481C1C}">
-                <a14:useLocalDpi xmlns:a14="http://schemas.microsoft.com/office/drawing/2010/main" val="0"/>
-              </a:ext>
-            </a:extLst>
-          </a:blip>
-          <a:stretch>
-            <a:fillRect/>
-          </a:stretch>
-        </p:blipFill>
-        <p:spPr>
-          <a:xfrm>
-            <a:off x="22422817" y="27334053"/>
-            <a:ext cx="2556508" cy="2556508"/>
-          </a:xfrm>
-          <a:prstGeom prst="rect">
-            <a:avLst/>
-          </a:prstGeom>
-          <a:solidFill>
-            <a:srgbClr val="FFFFFF">
-              <a:shade val="85000"/>
-            </a:srgbClr>
-          </a:solidFill>
-          <a:ln w="88900" cap="sq">
-            <a:solidFill>
-              <a:srgbClr val="FFFFFF"/>
-            </a:solidFill>
-            <a:miter lim="800000"/>
-          </a:ln>
-          <a:effectLst>
-            <a:outerShdw blurRad="55000" dist="18000" dir="5400000" algn="tl" rotWithShape="0">
-              <a:srgbClr val="000000">
-                <a:alpha val="40000"/>
-              </a:srgbClr>
-            </a:outerShdw>
-          </a:effectLst>
-          <a:scene3d>
-            <a:camera prst="orthographicFront"/>
-            <a:lightRig rig="twoPt" dir="t">
-              <a:rot lat="0" lon="0" rev="7200000"/>
-            </a:lightRig>
-          </a:scene3d>
-          <a:sp3d>
-            <a:bevelT w="25400" h="19050"/>
-            <a:contourClr>
-              <a:srgbClr val="FFFFFF"/>
-            </a:contourClr>
-          </a:sp3d>
-        </p:spPr>
-      </p:pic>
-      <p:pic>
-        <p:nvPicPr>
-          <p:cNvPr id="10" name="Grafik 9" descr="Ein Bild, das Vogel enthält.&#10;&#10;Automatisch generierte Beschreibung mit mittlerer Zuverlässigkeit">
-            <a:extLst>
-              <a:ext uri="{FF2B5EF4-FFF2-40B4-BE49-F238E27FC236}">
-                <a16:creationId xmlns:a16="http://schemas.microsoft.com/office/drawing/2014/main" id="{456FB860-9AF1-1B4F-8EA2-C34C9914C6BD}"/>
-              </a:ext>
-            </a:extLst>
-          </p:cNvPr>
-          <p:cNvPicPr>
-            <a:picLocks noChangeAspect="1"/>
-          </p:cNvPicPr>
-          <p:nvPr/>
-        </p:nvPicPr>
-        <p:blipFill>
-          <a:blip r:embed="rId13">
-            <a:extLst>
-              <a:ext uri="{28A0092B-C50C-407E-A947-70E740481C1C}">
-                <a14:useLocalDpi xmlns:a14="http://schemas.microsoft.com/office/drawing/2010/main" val="0"/>
-              </a:ext>
-            </a:extLst>
-          </a:blip>
-          <a:stretch>
-            <a:fillRect/>
-          </a:stretch>
-        </p:blipFill>
-        <p:spPr>
-          <a:xfrm>
-            <a:off x="25825723" y="27354320"/>
-            <a:ext cx="2556509" cy="2556509"/>
-          </a:xfrm>
-          <a:prstGeom prst="rect">
-            <a:avLst/>
-          </a:prstGeom>
-          <a:solidFill>
-            <a:srgbClr val="FFFFFF">
-              <a:shade val="85000"/>
-            </a:srgbClr>
-          </a:solidFill>
-          <a:ln w="88900" cap="sq">
-            <a:solidFill>
-              <a:srgbClr val="FFFFFF"/>
-            </a:solidFill>
-            <a:miter lim="800000"/>
-          </a:ln>
-          <a:effectLst>
-            <a:outerShdw blurRad="55000" dist="18000" dir="5400000" algn="tl" rotWithShape="0">
-              <a:srgbClr val="000000">
-                <a:alpha val="40000"/>
-              </a:srgbClr>
-            </a:outerShdw>
-          </a:effectLst>
-          <a:scene3d>
-            <a:camera prst="orthographicFront"/>
-            <a:lightRig rig="twoPt" dir="t">
-              <a:rot lat="0" lon="0" rev="7200000"/>
-            </a:lightRig>
-          </a:scene3d>
-          <a:sp3d>
-            <a:bevelT w="25400" h="19050"/>
-            <a:contourClr>
-              <a:srgbClr val="FFFFFF"/>
-            </a:contourClr>
-          </a:sp3d>
-        </p:spPr>
-      </p:pic>
-      <p:pic>
-        <p:nvPicPr>
-          <p:cNvPr id="13" name="Grafik 12" descr="Ein Bild, das Vogel enthält.&#10;&#10;Automatisch generierte Beschreibung">
-            <a:extLst>
-              <a:ext uri="{FF2B5EF4-FFF2-40B4-BE49-F238E27FC236}">
-                <a16:creationId xmlns:a16="http://schemas.microsoft.com/office/drawing/2014/main" id="{4D0D950C-DA45-BFE7-3207-DCE327AC75E2}"/>
-              </a:ext>
-            </a:extLst>
-          </p:cNvPr>
-          <p:cNvPicPr>
-            <a:picLocks noChangeAspect="1"/>
-          </p:cNvPicPr>
-          <p:nvPr/>
-        </p:nvPicPr>
-        <p:blipFill>
-          <a:blip r:embed="rId14">
-            <a:extLst>
-              <a:ext uri="{28A0092B-C50C-407E-A947-70E740481C1C}">
-                <a14:useLocalDpi xmlns:a14="http://schemas.microsoft.com/office/drawing/2010/main" val="0"/>
-              </a:ext>
-            </a:extLst>
-          </a:blip>
-          <a:stretch>
-            <a:fillRect/>
-          </a:stretch>
-        </p:blipFill>
-        <p:spPr>
-          <a:xfrm>
-            <a:off x="19035520" y="27334053"/>
-            <a:ext cx="2556508" cy="2556508"/>
-          </a:xfrm>
-          <a:prstGeom prst="rect">
-            <a:avLst/>
-          </a:prstGeom>
-          <a:solidFill>
-            <a:srgbClr val="FFFFFF">
-              <a:shade val="85000"/>
-            </a:srgbClr>
-          </a:solidFill>
-          <a:ln w="88900" cap="sq">
-            <a:solidFill>
-              <a:srgbClr val="FFFFFF"/>
-            </a:solidFill>
-            <a:miter lim="800000"/>
-          </a:ln>
-          <a:effectLst>
-            <a:outerShdw blurRad="55000" dist="18000" dir="5400000" algn="tl" rotWithShape="0">
-              <a:srgbClr val="000000">
-                <a:alpha val="40000"/>
-              </a:srgbClr>
-            </a:outerShdw>
-          </a:effectLst>
-          <a:scene3d>
-            <a:camera prst="orthographicFront"/>
-            <a:lightRig rig="twoPt" dir="t">
-              <a:rot lat="0" lon="0" rev="7200000"/>
-            </a:lightRig>
-          </a:scene3d>
-          <a:sp3d>
-            <a:bevelT w="25400" h="19050"/>
-            <a:contourClr>
-              <a:srgbClr val="FFFFFF"/>
-            </a:contourClr>
-          </a:sp3d>
-        </p:spPr>
-      </p:pic>
-      <p:pic>
-        <p:nvPicPr>
-          <p:cNvPr id="16" name="Grafik 15">
-            <a:extLst>
-              <a:ext uri="{FF2B5EF4-FFF2-40B4-BE49-F238E27FC236}">
-                <a16:creationId xmlns:a16="http://schemas.microsoft.com/office/drawing/2014/main" id="{569DE7E0-056A-8030-24BD-94E74AED3F8F}"/>
-              </a:ext>
-            </a:extLst>
-          </p:cNvPr>
-          <p:cNvPicPr>
-            <a:picLocks noChangeAspect="1"/>
-          </p:cNvPicPr>
-          <p:nvPr/>
-        </p:nvPicPr>
-        <p:blipFill>
-          <a:blip r:embed="rId15">
-            <a:extLst>
-              <a:ext uri="{28A0092B-C50C-407E-A947-70E740481C1C}">
-                <a14:useLocalDpi xmlns:a14="http://schemas.microsoft.com/office/drawing/2010/main" val="0"/>
-              </a:ext>
-            </a:extLst>
-          </a:blip>
-          <a:stretch>
-            <a:fillRect/>
-          </a:stretch>
-        </p:blipFill>
-        <p:spPr>
-          <a:xfrm>
-            <a:off x="15825792" y="27334053"/>
-            <a:ext cx="2520102" cy="2520102"/>
-          </a:xfrm>
-          <a:prstGeom prst="rect">
-            <a:avLst/>
-          </a:prstGeom>
-          <a:solidFill>
-            <a:srgbClr val="FFFFFF">
-              <a:shade val="85000"/>
-            </a:srgbClr>
-          </a:solidFill>
-          <a:ln w="88900" cap="sq">
-            <a:solidFill>
-              <a:srgbClr val="FFFFFF"/>
-            </a:solidFill>
-            <a:miter lim="800000"/>
-          </a:ln>
-          <a:effectLst>
-            <a:outerShdw blurRad="55000" dist="18000" dir="5400000" algn="tl" rotWithShape="0">
-              <a:srgbClr val="000000">
-                <a:alpha val="40000"/>
-              </a:srgbClr>
-            </a:outerShdw>
-          </a:effectLst>
-          <a:scene3d>
-            <a:camera prst="orthographicFront"/>
-            <a:lightRig rig="twoPt" dir="t">
-              <a:rot lat="0" lon="0" rev="7200000"/>
-            </a:lightRig>
-          </a:scene3d>
-          <a:sp3d>
-            <a:bevelT w="25400" h="19050"/>
-            <a:contourClr>
-              <a:srgbClr val="FFFFFF"/>
-            </a:contourClr>
-          </a:sp3d>
-        </p:spPr>
-      </p:pic>
-      <p:sp>
-        <p:nvSpPr>
-          <p:cNvPr id="17" name="TextBox 1343">
-            <a:extLst>
-              <a:ext uri="{FF2B5EF4-FFF2-40B4-BE49-F238E27FC236}">
-                <a16:creationId xmlns:a16="http://schemas.microsoft.com/office/drawing/2014/main" id="{F90722F2-3CA7-D572-B803-11CE37A7F204}"/>
+                <a16:creationId xmlns:a16="http://schemas.microsoft.com/office/drawing/2014/main" id="{CB58F1BB-74AA-1070-EBE7-83D411DE145D}"/>
               </a:ext>
             </a:extLst>
           </p:cNvPr>
@@ -7310,36 +6878,46 @@
         </p:nvSpPr>
         <p:spPr>
           <a:xfrm>
-            <a:off x="16718019" y="26518541"/>
-            <a:ext cx="4064894" cy="369332"/>
+            <a:off x="7624790" y="24155837"/>
+            <a:ext cx="642937" cy="523220"/>
           </a:xfrm>
           <a:prstGeom prst="rect">
             <a:avLst/>
           </a:prstGeom>
-          <a:solidFill>
-            <a:schemeClr val="bg1"/>
-          </a:solidFill>
+          <a:noFill/>
         </p:spPr>
         <p:txBody>
-          <a:bodyPr wrap="none" rtlCol="0">
+          <a:bodyPr wrap="square">
             <a:spAutoFit/>
           </a:bodyPr>
           <a:lstStyle/>
           <a:p>
-            <a:pPr algn="ctr"/>
-            <a:r>
-              <a:rPr lang="en-US" dirty="0"/>
-              <a:t>Analysis for a network: Focus on Density  </a:t>
-            </a:r>
-          </a:p>
-        </p:txBody>
-      </p:sp>
-      <p:sp>
-        <p:nvSpPr>
-          <p:cNvPr id="19" name="TextBox 30">
+            <a:r>
+              <a:rPr lang="en-US" sz="2800" b="1" dirty="0">
+                <a:solidFill>
+                  <a:srgbClr val="E49E00"/>
+                </a:solidFill>
+                <a:latin typeface="Arial" panose="020B0604020202020204" pitchFamily="34" charset="0"/>
+                <a:cs typeface="Arial" panose="020B0604020202020204" pitchFamily="34" charset="0"/>
+              </a:rPr>
+              <a:t>R-</a:t>
+            </a:r>
+            <a:endParaRPr lang="de-DE" sz="2800" b="1" dirty="0">
+              <a:solidFill>
+                <a:srgbClr val="E49E00"/>
+              </a:solidFill>
+              <a:latin typeface="Arial" panose="020B0604020202020204" pitchFamily="34" charset="0"/>
+              <a:cs typeface="Arial" panose="020B0604020202020204" pitchFamily="34" charset="0"/>
+            </a:endParaRPr>
+          </a:p>
+        </p:txBody>
+      </p:sp>
+      <p:sp>
+        <p:nvSpPr>
+          <p:cNvPr id="6" name="Textfeld 5">
             <a:extLst>
               <a:ext uri="{FF2B5EF4-FFF2-40B4-BE49-F238E27FC236}">
-                <a16:creationId xmlns:a16="http://schemas.microsoft.com/office/drawing/2014/main" id="{0743A1EF-3D45-310A-2B6A-124B6C98A4CB}"/>
+                <a16:creationId xmlns:a16="http://schemas.microsoft.com/office/drawing/2014/main" id="{C88EE6D6-2B76-D34D-0560-4A71EBB61AE5}"/>
               </a:ext>
             </a:extLst>
           </p:cNvPr>
@@ -7348,179 +6926,37 @@
         </p:nvSpPr>
         <p:spPr>
           <a:xfrm>
-            <a:off x="16237886" y="26809514"/>
-            <a:ext cx="1695913" cy="369332"/>
+            <a:off x="1692601" y="24122144"/>
+            <a:ext cx="976312" cy="523220"/>
           </a:xfrm>
           <a:prstGeom prst="rect">
             <a:avLst/>
           </a:prstGeom>
-          <a:solidFill>
-            <a:schemeClr val="bg1"/>
-          </a:solidFill>
+          <a:noFill/>
         </p:spPr>
         <p:txBody>
-          <a:bodyPr wrap="none" rtlCol="0">
+          <a:bodyPr wrap="square">
             <a:spAutoFit/>
           </a:bodyPr>
           <a:lstStyle/>
           <a:p>
-            <a:pPr algn="ctr"/>
-            <a:r>
-              <a:rPr lang="en-US" dirty="0"/>
-              <a:t>Extinction Day 1</a:t>
-            </a:r>
-          </a:p>
-        </p:txBody>
-      </p:sp>
-      <p:sp>
-        <p:nvSpPr>
-          <p:cNvPr id="20" name="TextBox 30">
-            <a:extLst>
-              <a:ext uri="{FF2B5EF4-FFF2-40B4-BE49-F238E27FC236}">
-                <a16:creationId xmlns:a16="http://schemas.microsoft.com/office/drawing/2014/main" id="{985089A2-30C2-A8F9-C0D3-E7809DB65010}"/>
-              </a:ext>
-            </a:extLst>
-          </p:cNvPr>
-          <p:cNvSpPr txBox="1"/>
-          <p:nvPr/>
-        </p:nvSpPr>
-        <p:spPr>
-          <a:xfrm>
-            <a:off x="19381473" y="26809514"/>
-            <a:ext cx="1695913" cy="369332"/>
-          </a:xfrm>
-          <a:prstGeom prst="rect">
-            <a:avLst/>
-          </a:prstGeom>
-          <a:solidFill>
-            <a:schemeClr val="bg1"/>
-          </a:solidFill>
-        </p:spPr>
-        <p:txBody>
-          <a:bodyPr wrap="none" rtlCol="0">
-            <a:spAutoFit/>
-          </a:bodyPr>
-          <a:lstStyle/>
-          <a:p>
-            <a:pPr algn="ctr"/>
-            <a:r>
-              <a:rPr lang="en-US" dirty="0"/>
-              <a:t>Extinction Day 4</a:t>
-            </a:r>
-          </a:p>
-        </p:txBody>
-      </p:sp>
-      <p:sp>
-        <p:nvSpPr>
-          <p:cNvPr id="22" name="TextBox 1343">
-            <a:extLst>
-              <a:ext uri="{FF2B5EF4-FFF2-40B4-BE49-F238E27FC236}">
-                <a16:creationId xmlns:a16="http://schemas.microsoft.com/office/drawing/2014/main" id="{B3266AB3-DD2A-D9DF-B11F-5C44DFD9C672}"/>
-              </a:ext>
-            </a:extLst>
-          </p:cNvPr>
-          <p:cNvSpPr txBox="1"/>
-          <p:nvPr/>
-        </p:nvSpPr>
-        <p:spPr>
-          <a:xfrm>
-            <a:off x="23243280" y="26500072"/>
-            <a:ext cx="4271875" cy="369332"/>
-          </a:xfrm>
-          <a:prstGeom prst="rect">
-            <a:avLst/>
-          </a:prstGeom>
-          <a:solidFill>
-            <a:schemeClr val="bg1"/>
-          </a:solidFill>
-        </p:spPr>
-        <p:txBody>
-          <a:bodyPr wrap="none" rtlCol="0">
-            <a:spAutoFit/>
-          </a:bodyPr>
-          <a:lstStyle/>
-          <a:p>
-            <a:pPr algn="ctr"/>
-            <a:r>
-              <a:rPr lang="en-US" dirty="0"/>
-              <a:t>Analysis for a network: Focus on Transitivity</a:t>
-            </a:r>
-          </a:p>
-        </p:txBody>
-      </p:sp>
-      <p:sp>
-        <p:nvSpPr>
-          <p:cNvPr id="25" name="TextBox 30">
-            <a:extLst>
-              <a:ext uri="{FF2B5EF4-FFF2-40B4-BE49-F238E27FC236}">
-                <a16:creationId xmlns:a16="http://schemas.microsoft.com/office/drawing/2014/main" id="{F80BB8FF-986A-4D93-E987-CF3AD9FED6FF}"/>
-              </a:ext>
-            </a:extLst>
-          </p:cNvPr>
-          <p:cNvSpPr txBox="1"/>
-          <p:nvPr/>
-        </p:nvSpPr>
-        <p:spPr>
-          <a:xfrm>
-            <a:off x="22866635" y="26791045"/>
-            <a:ext cx="1695913" cy="369332"/>
-          </a:xfrm>
-          <a:prstGeom prst="rect">
-            <a:avLst/>
-          </a:prstGeom>
-          <a:solidFill>
-            <a:schemeClr val="bg1"/>
-          </a:solidFill>
-        </p:spPr>
-        <p:txBody>
-          <a:bodyPr wrap="none" rtlCol="0">
-            <a:spAutoFit/>
-          </a:bodyPr>
-          <a:lstStyle/>
-          <a:p>
-            <a:pPr algn="ctr"/>
-            <a:r>
-              <a:rPr lang="en-US" dirty="0"/>
-              <a:t>Extinction Day 1</a:t>
-            </a:r>
-          </a:p>
-        </p:txBody>
-      </p:sp>
-      <p:sp>
-        <p:nvSpPr>
-          <p:cNvPr id="26" name="TextBox 30">
-            <a:extLst>
-              <a:ext uri="{FF2B5EF4-FFF2-40B4-BE49-F238E27FC236}">
-                <a16:creationId xmlns:a16="http://schemas.microsoft.com/office/drawing/2014/main" id="{F0D7F860-D64F-041B-A2CE-B0D0FEE95A97}"/>
-              </a:ext>
-            </a:extLst>
-          </p:cNvPr>
-          <p:cNvSpPr txBox="1"/>
-          <p:nvPr/>
-        </p:nvSpPr>
-        <p:spPr>
-          <a:xfrm>
-            <a:off x="26010222" y="26791045"/>
-            <a:ext cx="1695913" cy="369332"/>
-          </a:xfrm>
-          <a:prstGeom prst="rect">
-            <a:avLst/>
-          </a:prstGeom>
-          <a:solidFill>
-            <a:schemeClr val="bg1"/>
-          </a:solidFill>
-        </p:spPr>
-        <p:txBody>
-          <a:bodyPr wrap="none" rtlCol="0">
-            <a:spAutoFit/>
-          </a:bodyPr>
-          <a:lstStyle/>
-          <a:p>
-            <a:pPr algn="ctr"/>
-            <a:r>
-              <a:rPr lang="en-US" dirty="0"/>
-              <a:t>Extinction Day 4</a:t>
-            </a:r>
+            <a:r>
+              <a:rPr lang="en-US" sz="2800" b="1" dirty="0">
+                <a:solidFill>
+                  <a:srgbClr val="009F73"/>
+                </a:solidFill>
+                <a:latin typeface="Arial" panose="020B0604020202020204" pitchFamily="34" charset="0"/>
+                <a:cs typeface="Arial" panose="020B0604020202020204" pitchFamily="34" charset="0"/>
+              </a:rPr>
+              <a:t>R+</a:t>
+            </a:r>
+            <a:endParaRPr lang="de-DE" sz="2800" b="1" dirty="0">
+              <a:solidFill>
+                <a:srgbClr val="009F73"/>
+              </a:solidFill>
+              <a:latin typeface="Arial" panose="020B0604020202020204" pitchFamily="34" charset="0"/>
+              <a:cs typeface="Arial" panose="020B0604020202020204" pitchFamily="34" charset="0"/>
+            </a:endParaRPr>
           </a:p>
         </p:txBody>
       </p:sp>

--- a/LIR_Symposium_Islami_Beyer_2024SEP21_mab.pptx
+++ b/LIR_Symposium_Islami_Beyer_2024SEP21_mab.pptx
@@ -3919,7 +3919,7 @@
         <p:spPr>
           <a:xfrm>
             <a:off x="975676" y="37329228"/>
-            <a:ext cx="28315602" cy="2215991"/>
+            <a:ext cx="28315602" cy="2923877"/>
           </a:xfrm>
           <a:prstGeom prst="rect">
             <a:avLst/>
@@ -3955,7 +3955,21 @@
             <a:endParaRPr lang="en-US" dirty="0"/>
           </a:p>
           <a:p>
-            <a:endParaRPr lang="en-US" dirty="0"/>
+            <a:r>
+              <a:rPr lang="en-US" sz="3200" dirty="0">
+                <a:solidFill>
+                  <a:srgbClr val="FF0000"/>
+                </a:solidFill>
+                <a:latin typeface="+mj-lt"/>
+              </a:rPr>
+              <a:t>Preliminary conclusion:</a:t>
+            </a:r>
+          </a:p>
+          <a:p>
+            <a:r>
+              <a:rPr lang="en-US" sz="3200" dirty="0"/>
+              <a:t>As extinction progresses on subsequent days, the complexity of the network decreases in the R+ animals, while the R- animals maintain a constant level of complexity.</a:t>
+            </a:r>
           </a:p>
           <a:p>
             <a:endParaRPr lang="en-US" dirty="0"/>
@@ -5296,7 +5310,7 @@
           <p:spPr>
             <a:xfrm>
               <a:off x="1195371" y="21642886"/>
-              <a:ext cx="13604039" cy="14865608"/>
+              <a:ext cx="13604039" cy="14373165"/>
             </a:xfrm>
             <a:prstGeom prst="rect">
               <a:avLst/>
@@ -5515,6 +5529,27 @@
                 </a:buClr>
                 <a:defRPr/>
               </a:pPr>
+              <a:br>
+                <a:rPr lang="en-US" sz="3200" dirty="0">
+                  <a:latin typeface="+mj-lt"/>
+                </a:rPr>
+              </a:br>
+              <a:r>
+                <a:rPr lang="en-US" sz="3200" b="1" i="1" dirty="0">
+                  <a:latin typeface="+mj-lt"/>
+                </a:rPr>
+                <a:t>Luminance plot for Extinction Day 1 to 4 showing mean luminance (z-score normalized) in the time interval preceding, during and following the CS+ event. </a:t>
+              </a:r>
+            </a:p>
+            <a:p>
+              <a:pPr algn="just">
+                <a:buClr>
+                  <a:srgbClr val="A5A5A5">
+                    <a:lumMod val="75000"/>
+                  </a:srgbClr>
+                </a:buClr>
+                <a:defRPr/>
+              </a:pPr>
               <a:endParaRPr lang="en-US" sz="3200" dirty="0">
                 <a:latin typeface="+mj-lt"/>
               </a:endParaRPr>
@@ -5532,42 +5567,7 @@
                 <a:rPr lang="en-US" sz="3200" dirty="0">
                   <a:latin typeface="+mj-lt"/>
                 </a:rPr>
-                <a:t>In the heatmap plot shown, the mean luminance, z-score normalized, was plotted for all animals, with R+ and R- groups shown separately. These data represent the average across all neurons and all CS+ tone presentations. The graph contains three vertical lines: The first marks the onset of the tone, the second marks the onset of the shock (for shock sessions only), and the third marks the end of the tone, with the time in seconds centered on the onset of the tone. </a:t>
-              </a:r>
-            </a:p>
-            <a:p>
-              <a:pPr algn="just">
-                <a:buClr>
-                  <a:srgbClr val="A5A5A5">
-                    <a:lumMod val="75000"/>
-                  </a:srgbClr>
-                </a:buClr>
-                <a:defRPr/>
-              </a:pPr>
-              <a:r>
-                <a:rPr lang="en-US" sz="3200" dirty="0">
-                  <a:latin typeface="+mj-lt"/>
-                </a:rPr>
-                <a:t>The data suggest that R animals show a much stronger response to the expected timing of the shock, particularly on days 1 and 2 (corresponding to the first and second lines on the y-axis). However, this response decreases over time, indicating a process of extinction.</a:t>
-              </a:r>
-            </a:p>
-            <a:p>
-              <a:pPr algn="just">
-                <a:buClr>
-                  <a:srgbClr val="A5A5A5">
-                    <a:lumMod val="75000"/>
-                  </a:srgbClr>
-                </a:buClr>
-                <a:defRPr/>
-              </a:pPr>
-              <a:r>
-                <a:rPr lang="en-US" sz="3200" dirty="0">
-                  <a:solidFill>
-                    <a:srgbClr val="FF0000"/>
-                  </a:solidFill>
-                  <a:latin typeface="+mj-lt"/>
-                </a:rPr>
-                <a:t>Preliminary conclusion: As extinction progresses on subsequent days, the complexity of the network decreases in the R+ animals, while the R- animals maintain a constant level of complexity.</a:t>
+                <a:t>The mean luminance for all animals was plotted, with R+ (resilient) and R- (susceptible) groups shown separately. Dark colors indicate low or no neuronal activity, while lighter colors show high neuronal activity. The data represents the average across all neurons and CS+ tone presentations after Auditory Fear Conditioning. Three vertical lines mark 1.)  the onset of the tone, 2.) the expected shock timing (from the PTSD paradigm), and 3.) the tone's end. Shown data suggest that R- animals display a stronger response to the expected shock timing, especially on days 1 and 2, with this response diminishing over time, indicating extinction.</a:t>
               </a:r>
             </a:p>
           </p:txBody>
@@ -6135,7 +6135,7 @@
         </p:nvSpPr>
         <p:spPr>
           <a:xfrm>
-            <a:off x="24104781" y="22431768"/>
+            <a:off x="23911987" y="24981431"/>
             <a:ext cx="2443162" cy="338554"/>
           </a:xfrm>
           <a:prstGeom prst="rect">
@@ -6173,7 +6173,7 @@
         </p:nvSpPr>
         <p:spPr>
           <a:xfrm>
-            <a:off x="26490735" y="21982055"/>
+            <a:off x="23908653" y="25635624"/>
             <a:ext cx="2443162" cy="338554"/>
           </a:xfrm>
           <a:prstGeom prst="rect">
@@ -6541,7 +6541,7 @@
         </p:nvGrpSpPr>
         <p:grpSpPr>
           <a:xfrm>
-            <a:off x="1156862" y="23343387"/>
+            <a:off x="941328" y="23169047"/>
             <a:ext cx="13251041" cy="6650943"/>
             <a:chOff x="1871408" y="23696209"/>
             <a:chExt cx="11901741" cy="5867179"/>
